--- a/20221027/Cordic/Cordic報告.pptx
+++ b/20221027/Cordic/Cordic報告.pptx
@@ -12,8 +12,15 @@
     <p:sldId id="267" r:id="rId6"/>
     <p:sldId id="266" r:id="rId7"/>
     <p:sldId id="262" r:id="rId8"/>
-    <p:sldId id="258" r:id="rId9"/>
-    <p:sldId id="259" r:id="rId10"/>
+    <p:sldId id="269" r:id="rId9"/>
+    <p:sldId id="270" r:id="rId10"/>
+    <p:sldId id="273" r:id="rId11"/>
+    <p:sldId id="272" r:id="rId12"/>
+    <p:sldId id="271" r:id="rId13"/>
+    <p:sldId id="258" r:id="rId14"/>
+    <p:sldId id="259" r:id="rId15"/>
+    <p:sldId id="274" r:id="rId16"/>
+    <p:sldId id="275" r:id="rId17"/>
   </p:sldIdLst>
   <p:sldSz cx="12192000" cy="6858000"/>
   <p:notesSz cx="6858000" cy="9144000"/>
@@ -3975,6 +3982,3376 @@
       <p:bldP spid="3" grpId="0"/>
     </p:bldLst>
   </p:timing>
+</p:sld>
+</file>
+
+<file path=ppt/slides/slide10.xml><?xml version="1.0" encoding="utf-8"?>
+<p:sld xmlns:a="http://schemas.openxmlformats.org/drawingml/2006/main" xmlns:r="http://schemas.openxmlformats.org/officeDocument/2006/relationships" xmlns:p="http://schemas.openxmlformats.org/presentationml/2006/main">
+  <p:cSld>
+    <p:bg>
+      <p:bgPr>
+        <a:solidFill>
+          <a:schemeClr val="bg1"/>
+        </a:solidFill>
+        <a:effectLst/>
+      </p:bgPr>
+    </p:bg>
+    <p:spTree>
+      <p:nvGrpSpPr>
+        <p:cNvPr id="1" name=""/>
+        <p:cNvGrpSpPr/>
+        <p:nvPr/>
+      </p:nvGrpSpPr>
+      <p:grpSpPr>
+        <a:xfrm>
+          <a:off x="0" y="0"/>
+          <a:ext cx="0" cy="0"/>
+          <a:chOff x="0" y="0"/>
+          <a:chExt cx="0" cy="0"/>
+        </a:xfrm>
+      </p:grpSpPr>
+      <p:sp useBgFill="1">
+        <p:nvSpPr>
+          <p:cNvPr id="10" name="Rectangle 9">
+            <a:extLst>
+              <a:ext uri="{FF2B5EF4-FFF2-40B4-BE49-F238E27FC236}">
+                <a16:creationId xmlns:a16="http://schemas.microsoft.com/office/drawing/2014/main" id="{22F15A2D-2324-487D-A02A-BF46C5C580EB}"/>
+              </a:ext>
+              <a:ext uri="{C183D7F6-B498-43B3-948B-1728B52AA6E4}">
+                <adec:decorative xmlns:adec="http://schemas.microsoft.com/office/drawing/2017/decorative" val="1"/>
+              </a:ext>
+            </a:extLst>
+          </p:cNvPr>
+          <p:cNvSpPr>
+            <a:spLocks noGrp="1" noRot="1" noChangeAspect="1" noMove="1" noResize="1" noEditPoints="1" noAdjustHandles="1" noChangeArrowheads="1" noChangeShapeType="1" noTextEdit="1"/>
+          </p:cNvSpPr>
+          <p:nvPr>
+            <p:extLst>
+              <p:ext uri="{386F3935-93C4-4BCD-93E2-E3B085C9AB24}">
+                <p16:designElem xmlns:p16="http://schemas.microsoft.com/office/powerpoint/2015/main" val="1"/>
+              </p:ext>
+            </p:extLst>
+          </p:nvPr>
+        </p:nvSpPr>
+        <p:spPr>
+          <a:xfrm>
+            <a:off x="0" y="0"/>
+            <a:ext cx="12192000" cy="6858000"/>
+          </a:xfrm>
+          <a:prstGeom prst="rect">
+            <a:avLst/>
+          </a:prstGeom>
+          <a:ln>
+            <a:noFill/>
+          </a:ln>
+        </p:spPr>
+        <p:style>
+          <a:lnRef idx="2">
+            <a:schemeClr val="accent1">
+              <a:shade val="50000"/>
+            </a:schemeClr>
+          </a:lnRef>
+          <a:fillRef idx="1">
+            <a:schemeClr val="accent1"/>
+          </a:fillRef>
+          <a:effectRef idx="0">
+            <a:schemeClr val="accent1"/>
+          </a:effectRef>
+          <a:fontRef idx="minor">
+            <a:schemeClr val="lt1"/>
+          </a:fontRef>
+        </p:style>
+        <p:txBody>
+          <a:bodyPr rtlCol="0" anchor="ctr"/>
+          <a:lstStyle/>
+          <a:p>
+            <a:pPr algn="ctr"/>
+            <a:endParaRPr lang="en-US"/>
+          </a:p>
+        </p:txBody>
+      </p:sp>
+      <p:sp>
+        <p:nvSpPr>
+          <p:cNvPr id="12" name="Right Triangle 11">
+            <a:extLst>
+              <a:ext uri="{FF2B5EF4-FFF2-40B4-BE49-F238E27FC236}">
+                <a16:creationId xmlns:a16="http://schemas.microsoft.com/office/drawing/2014/main" id="{2AEAFA59-923A-4F54-8B49-44C970BCC323}"/>
+              </a:ext>
+              <a:ext uri="{C183D7F6-B498-43B3-948B-1728B52AA6E4}">
+                <adec:decorative xmlns:adec="http://schemas.microsoft.com/office/drawing/2017/decorative" val="1"/>
+              </a:ext>
+            </a:extLst>
+          </p:cNvPr>
+          <p:cNvSpPr>
+            <a:spLocks noGrp="1" noRot="1" noChangeAspect="1" noMove="1" noResize="1" noEditPoints="1" noAdjustHandles="1" noChangeArrowheads="1" noChangeShapeType="1" noTextEdit="1"/>
+          </p:cNvSpPr>
+          <p:nvPr>
+            <p:extLst>
+              <p:ext uri="{386F3935-93C4-4BCD-93E2-E3B085C9AB24}">
+                <p16:designElem xmlns:p16="http://schemas.microsoft.com/office/powerpoint/2015/main" val="1"/>
+              </p:ext>
+            </p:extLst>
+          </p:nvPr>
+        </p:nvSpPr>
+        <p:spPr>
+          <a:xfrm flipH="1">
+            <a:off x="8576720" y="3335867"/>
+            <a:ext cx="3291840" cy="3200400"/>
+          </a:xfrm>
+          <a:prstGeom prst="rtTriangle">
+            <a:avLst/>
+          </a:prstGeom>
+          <a:solidFill>
+            <a:schemeClr val="accent4"/>
+          </a:solidFill>
+          <a:ln>
+            <a:noFill/>
+          </a:ln>
+        </p:spPr>
+        <p:style>
+          <a:lnRef idx="2">
+            <a:schemeClr val="accent1">
+              <a:shade val="50000"/>
+            </a:schemeClr>
+          </a:lnRef>
+          <a:fillRef idx="1">
+            <a:schemeClr val="accent1"/>
+          </a:fillRef>
+          <a:effectRef idx="0">
+            <a:schemeClr val="accent1"/>
+          </a:effectRef>
+          <a:fontRef idx="minor">
+            <a:schemeClr val="lt1"/>
+          </a:fontRef>
+        </p:style>
+        <p:txBody>
+          <a:bodyPr rtlCol="0" anchor="ctr"/>
+          <a:lstStyle/>
+          <a:p>
+            <a:pPr algn="ctr"/>
+            <a:endParaRPr lang="en-US" dirty="0"/>
+          </a:p>
+        </p:txBody>
+      </p:sp>
+      <p:sp>
+        <p:nvSpPr>
+          <p:cNvPr id="14" name="Rectangle 13">
+            <a:extLst>
+              <a:ext uri="{FF2B5EF4-FFF2-40B4-BE49-F238E27FC236}">
+                <a16:creationId xmlns:a16="http://schemas.microsoft.com/office/drawing/2014/main" id="{C37E9D4B-7BFA-4D10-B666-547BAC499469}"/>
+              </a:ext>
+              <a:ext uri="{C183D7F6-B498-43B3-948B-1728B52AA6E4}">
+                <adec:decorative xmlns:adec="http://schemas.microsoft.com/office/drawing/2017/decorative" val="1"/>
+              </a:ext>
+            </a:extLst>
+          </p:cNvPr>
+          <p:cNvSpPr>
+            <a:spLocks noGrp="1" noRot="1" noChangeAspect="1" noMove="1" noResize="1" noEditPoints="1" noAdjustHandles="1" noChangeArrowheads="1" noChangeShapeType="1" noTextEdit="1"/>
+          </p:cNvSpPr>
+          <p:nvPr>
+            <p:extLst>
+              <p:ext uri="{386F3935-93C4-4BCD-93E2-E3B085C9AB24}">
+                <p16:designElem xmlns:p16="http://schemas.microsoft.com/office/powerpoint/2015/main" val="1"/>
+              </p:ext>
+            </p:extLst>
+          </p:nvPr>
+        </p:nvSpPr>
+        <p:spPr>
+          <a:xfrm>
+            <a:off x="641774" y="623275"/>
+            <a:ext cx="10905053" cy="5607882"/>
+          </a:xfrm>
+          <a:prstGeom prst="rect">
+            <a:avLst/>
+          </a:prstGeom>
+          <a:noFill/>
+          <a:ln w="19050">
+            <a:solidFill>
+              <a:schemeClr val="tx1">
+                <a:lumMod val="75000"/>
+                <a:lumOff val="25000"/>
+              </a:schemeClr>
+            </a:solidFill>
+          </a:ln>
+        </p:spPr>
+        <p:style>
+          <a:lnRef idx="2">
+            <a:schemeClr val="accent1">
+              <a:shade val="50000"/>
+            </a:schemeClr>
+          </a:lnRef>
+          <a:fillRef idx="1">
+            <a:schemeClr val="accent1"/>
+          </a:fillRef>
+          <a:effectRef idx="0">
+            <a:schemeClr val="accent1"/>
+          </a:effectRef>
+          <a:fontRef idx="minor">
+            <a:schemeClr val="lt1"/>
+          </a:fontRef>
+        </p:style>
+        <p:txBody>
+          <a:bodyPr rtlCol="0" anchor="ctr"/>
+          <a:lstStyle/>
+          <a:p>
+            <a:pPr algn="ctr"/>
+            <a:endParaRPr lang="en-US"/>
+          </a:p>
+        </p:txBody>
+      </p:sp>
+      <p:pic>
+        <p:nvPicPr>
+          <p:cNvPr id="3" name="圖片 2">
+            <a:extLst>
+              <a:ext uri="{FF2B5EF4-FFF2-40B4-BE49-F238E27FC236}">
+                <a16:creationId xmlns:a16="http://schemas.microsoft.com/office/drawing/2014/main" id="{4BCCE936-096E-6661-A82A-53E62E616295}"/>
+              </a:ext>
+            </a:extLst>
+          </p:cNvPr>
+          <p:cNvPicPr>
+            <a:picLocks noChangeAspect="1"/>
+          </p:cNvPicPr>
+          <p:nvPr/>
+        </p:nvPicPr>
+        <p:blipFill>
+          <a:blip r:embed="rId2"/>
+          <a:stretch>
+            <a:fillRect/>
+          </a:stretch>
+        </p:blipFill>
+        <p:spPr>
+          <a:xfrm>
+            <a:off x="1844221" y="1100064"/>
+            <a:ext cx="8500157" cy="2092057"/>
+          </a:xfrm>
+          <a:prstGeom prst="rect">
+            <a:avLst/>
+          </a:prstGeom>
+        </p:spPr>
+      </p:pic>
+      <p:sp>
+        <p:nvSpPr>
+          <p:cNvPr id="6" name="Google Shape;150;p17">
+            <a:extLst>
+              <a:ext uri="{FF2B5EF4-FFF2-40B4-BE49-F238E27FC236}">
+                <a16:creationId xmlns:a16="http://schemas.microsoft.com/office/drawing/2014/main" id="{4642B2A7-B4CC-C4BF-614C-D88F607F4A99}"/>
+              </a:ext>
+            </a:extLst>
+          </p:cNvPr>
+          <p:cNvSpPr txBox="1">
+            <a:spLocks/>
+          </p:cNvSpPr>
+          <p:nvPr/>
+        </p:nvSpPr>
+        <p:spPr>
+          <a:xfrm>
+            <a:off x="1590675" y="3327588"/>
+            <a:ext cx="9010650" cy="2397167"/>
+          </a:xfrm>
+          <a:prstGeom prst="rect">
+            <a:avLst/>
+          </a:prstGeom>
+        </p:spPr>
+        <p:txBody>
+          <a:bodyPr spcFirstLastPara="1" vert="horz" wrap="square" lIns="0" tIns="0" rIns="0" bIns="0" rtlCol="0" anchor="b" anchorCtr="0">
+            <a:noAutofit/>
+          </a:bodyPr>
+          <a:lstStyle>
+            <a:lvl1pPr algn="l" defTabSz="914400" rtl="0" eaLnBrk="1" latinLnBrk="0" hangingPunct="1">
+              <a:lnSpc>
+                <a:spcPct val="90000"/>
+              </a:lnSpc>
+              <a:spcBef>
+                <a:spcPct val="0"/>
+              </a:spcBef>
+              <a:buNone/>
+              <a:defRPr sz="4400" kern="1200">
+                <a:solidFill>
+                  <a:schemeClr val="tx1"/>
+                </a:solidFill>
+                <a:latin typeface="+mj-lt"/>
+                <a:ea typeface="+mj-ea"/>
+                <a:cs typeface="+mj-cs"/>
+              </a:defRPr>
+            </a:lvl1pPr>
+          </a:lstStyle>
+          <a:p>
+            <a:pPr algn="ctr">
+              <a:spcBef>
+                <a:spcPts val="0"/>
+              </a:spcBef>
+            </a:pPr>
+            <a:r>
+              <a:rPr lang="zh-TW" altLang="en-US" sz="4800" dirty="0">
+                <a:latin typeface="源石黑體 B" panose="020B0800000000000000" pitchFamily="34" charset="-120"/>
+                <a:ea typeface="源石黑體 B" panose="020B0800000000000000" pitchFamily="34" charset="-120"/>
+              </a:rPr>
+              <a:t>透過</a:t>
+            </a:r>
+            <a:r>
+              <a:rPr lang="en-US" altLang="zh-TW" sz="4800" dirty="0" err="1">
+                <a:latin typeface="源石黑體 B" panose="020B0800000000000000" pitchFamily="34" charset="-120"/>
+                <a:ea typeface="源石黑體 B" panose="020B0800000000000000" pitchFamily="34" charset="-120"/>
+              </a:rPr>
+              <a:t>atan</a:t>
+            </a:r>
+            <a:r>
+              <a:rPr lang="en-US" altLang="zh-TW" sz="4800" dirty="0">
+                <a:latin typeface="源石黑體 B" panose="020B0800000000000000" pitchFamily="34" charset="-120"/>
+                <a:ea typeface="源石黑體 B" panose="020B0800000000000000" pitchFamily="34" charset="-120"/>
+              </a:rPr>
+              <a:t>(y/x)</a:t>
+            </a:r>
+            <a:r>
+              <a:rPr lang="zh-TW" altLang="en-US" sz="4800" dirty="0">
+                <a:latin typeface="源石黑體 B" panose="020B0800000000000000" pitchFamily="34" charset="-120"/>
+                <a:ea typeface="源石黑體 B" panose="020B0800000000000000" pitchFamily="34" charset="-120"/>
+              </a:rPr>
+              <a:t>算出徑度</a:t>
+            </a:r>
+            <a:endParaRPr lang="en-US" altLang="zh-TW" sz="4800" dirty="0">
+              <a:latin typeface="源石黑體 B" panose="020B0800000000000000" pitchFamily="34" charset="-120"/>
+              <a:ea typeface="源石黑體 B" panose="020B0800000000000000" pitchFamily="34" charset="-120"/>
+            </a:endParaRPr>
+          </a:p>
+          <a:p>
+            <a:pPr algn="ctr">
+              <a:spcBef>
+                <a:spcPts val="0"/>
+              </a:spcBef>
+            </a:pPr>
+            <a:r>
+              <a:rPr lang="zh-TW" altLang="en-US" sz="4800" dirty="0">
+                <a:latin typeface="源石黑體 B" panose="020B0800000000000000" pitchFamily="34" charset="-120"/>
+                <a:ea typeface="源石黑體 B" panose="020B0800000000000000" pitchFamily="34" charset="-120"/>
+              </a:rPr>
+              <a:t>在透過</a:t>
+            </a:r>
+            <a:r>
+              <a:rPr lang="en-US" altLang="zh-TW" sz="4800" dirty="0">
+                <a:latin typeface="源石黑體 B" panose="020B0800000000000000" pitchFamily="34" charset="-120"/>
+                <a:ea typeface="源石黑體 B" panose="020B0800000000000000" pitchFamily="34" charset="-120"/>
+              </a:rPr>
+              <a:t>radius*180/PI</a:t>
+            </a:r>
+            <a:r>
+              <a:rPr lang="zh-TW" altLang="en-US" sz="4800" dirty="0">
+                <a:latin typeface="源石黑體 B" panose="020B0800000000000000" pitchFamily="34" charset="-120"/>
+                <a:ea typeface="源石黑體 B" panose="020B0800000000000000" pitchFamily="34" charset="-120"/>
+              </a:rPr>
+              <a:t>算出角度</a:t>
+            </a:r>
+            <a:endParaRPr lang="en-US" altLang="zh-TW" sz="4800" dirty="0">
+              <a:latin typeface="源石黑體 B" panose="020B0800000000000000" pitchFamily="34" charset="-120"/>
+              <a:ea typeface="源石黑體 B" panose="020B0800000000000000" pitchFamily="34" charset="-120"/>
+            </a:endParaRPr>
+          </a:p>
+          <a:p>
+            <a:pPr algn="ctr">
+              <a:spcBef>
+                <a:spcPts val="0"/>
+              </a:spcBef>
+            </a:pPr>
+            <a:r>
+              <a:rPr lang="zh-TW" altLang="en-US" sz="4800" dirty="0">
+                <a:latin typeface="源石黑體 B" panose="020B0800000000000000" pitchFamily="34" charset="-120"/>
+                <a:ea typeface="源石黑體 B" panose="020B0800000000000000" pitchFamily="34" charset="-120"/>
+              </a:rPr>
+              <a:t>最後將數值放大好轉行</a:t>
+            </a:r>
+            <a:r>
+              <a:rPr lang="en-US" altLang="zh-TW" sz="4800" dirty="0">
+                <a:latin typeface="源石黑體 B" panose="020B0800000000000000" pitchFamily="34" charset="-120"/>
+                <a:ea typeface="源石黑體 B" panose="020B0800000000000000" pitchFamily="34" charset="-120"/>
+              </a:rPr>
+              <a:t>32</a:t>
+            </a:r>
+            <a:r>
+              <a:rPr lang="zh-TW" altLang="en-US" sz="4800" dirty="0">
+                <a:latin typeface="源石黑體 B" panose="020B0800000000000000" pitchFamily="34" charset="-120"/>
+                <a:ea typeface="源石黑體 B" panose="020B0800000000000000" pitchFamily="34" charset="-120"/>
+              </a:rPr>
+              <a:t>定點數</a:t>
+            </a:r>
+            <a:endParaRPr lang="en-US" sz="7200" dirty="0">
+              <a:latin typeface="源石黑體 B" panose="020B0800000000000000" pitchFamily="34" charset="-120"/>
+              <a:ea typeface="源石黑體 B" panose="020B0800000000000000" pitchFamily="34" charset="-120"/>
+            </a:endParaRPr>
+          </a:p>
+        </p:txBody>
+      </p:sp>
+    </p:spTree>
+    <p:extLst>
+      <p:ext uri="{BB962C8B-B14F-4D97-AF65-F5344CB8AC3E}">
+        <p14:creationId xmlns:p14="http://schemas.microsoft.com/office/powerpoint/2010/main" val="1811620164"/>
+      </p:ext>
+    </p:extLst>
+  </p:cSld>
+  <p:clrMapOvr>
+    <a:masterClrMapping/>
+  </p:clrMapOvr>
+</p:sld>
+</file>
+
+<file path=ppt/slides/slide11.xml><?xml version="1.0" encoding="utf-8"?>
+<p:sld xmlns:a="http://schemas.openxmlformats.org/drawingml/2006/main" xmlns:r="http://schemas.openxmlformats.org/officeDocument/2006/relationships" xmlns:p="http://schemas.openxmlformats.org/presentationml/2006/main">
+  <p:cSld>
+    <p:bg>
+      <p:bgPr>
+        <a:solidFill>
+          <a:schemeClr val="bg1"/>
+        </a:solidFill>
+        <a:effectLst/>
+      </p:bgPr>
+    </p:bg>
+    <p:spTree>
+      <p:nvGrpSpPr>
+        <p:cNvPr id="1" name=""/>
+        <p:cNvGrpSpPr/>
+        <p:nvPr/>
+      </p:nvGrpSpPr>
+      <p:grpSpPr>
+        <a:xfrm>
+          <a:off x="0" y="0"/>
+          <a:ext cx="0" cy="0"/>
+          <a:chOff x="0" y="0"/>
+          <a:chExt cx="0" cy="0"/>
+        </a:xfrm>
+      </p:grpSpPr>
+      <p:sp useBgFill="1">
+        <p:nvSpPr>
+          <p:cNvPr id="10" name="Rectangle 9">
+            <a:extLst>
+              <a:ext uri="{FF2B5EF4-FFF2-40B4-BE49-F238E27FC236}">
+                <a16:creationId xmlns:a16="http://schemas.microsoft.com/office/drawing/2014/main" id="{22F15A2D-2324-487D-A02A-BF46C5C580EB}"/>
+              </a:ext>
+              <a:ext uri="{C183D7F6-B498-43B3-948B-1728B52AA6E4}">
+                <adec:decorative xmlns:adec="http://schemas.microsoft.com/office/drawing/2017/decorative" val="1"/>
+              </a:ext>
+            </a:extLst>
+          </p:cNvPr>
+          <p:cNvSpPr>
+            <a:spLocks noGrp="1" noRot="1" noChangeAspect="1" noMove="1" noResize="1" noEditPoints="1" noAdjustHandles="1" noChangeArrowheads="1" noChangeShapeType="1" noTextEdit="1"/>
+          </p:cNvSpPr>
+          <p:nvPr>
+            <p:extLst>
+              <p:ext uri="{386F3935-93C4-4BCD-93E2-E3B085C9AB24}">
+                <p16:designElem xmlns:p16="http://schemas.microsoft.com/office/powerpoint/2015/main" val="1"/>
+              </p:ext>
+            </p:extLst>
+          </p:nvPr>
+        </p:nvSpPr>
+        <p:spPr>
+          <a:xfrm>
+            <a:off x="0" y="0"/>
+            <a:ext cx="12192000" cy="6858000"/>
+          </a:xfrm>
+          <a:prstGeom prst="rect">
+            <a:avLst/>
+          </a:prstGeom>
+          <a:ln>
+            <a:noFill/>
+          </a:ln>
+        </p:spPr>
+        <p:style>
+          <a:lnRef idx="2">
+            <a:schemeClr val="accent1">
+              <a:shade val="50000"/>
+            </a:schemeClr>
+          </a:lnRef>
+          <a:fillRef idx="1">
+            <a:schemeClr val="accent1"/>
+          </a:fillRef>
+          <a:effectRef idx="0">
+            <a:schemeClr val="accent1"/>
+          </a:effectRef>
+          <a:fontRef idx="minor">
+            <a:schemeClr val="lt1"/>
+          </a:fontRef>
+        </p:style>
+        <p:txBody>
+          <a:bodyPr rtlCol="0" anchor="ctr"/>
+          <a:lstStyle/>
+          <a:p>
+            <a:pPr algn="ctr"/>
+            <a:endParaRPr lang="en-US"/>
+          </a:p>
+        </p:txBody>
+      </p:sp>
+      <p:sp>
+        <p:nvSpPr>
+          <p:cNvPr id="12" name="Right Triangle 11">
+            <a:extLst>
+              <a:ext uri="{FF2B5EF4-FFF2-40B4-BE49-F238E27FC236}">
+                <a16:creationId xmlns:a16="http://schemas.microsoft.com/office/drawing/2014/main" id="{2AEAFA59-923A-4F54-8B49-44C970BCC323}"/>
+              </a:ext>
+              <a:ext uri="{C183D7F6-B498-43B3-948B-1728B52AA6E4}">
+                <adec:decorative xmlns:adec="http://schemas.microsoft.com/office/drawing/2017/decorative" val="1"/>
+              </a:ext>
+            </a:extLst>
+          </p:cNvPr>
+          <p:cNvSpPr>
+            <a:spLocks noGrp="1" noRot="1" noChangeAspect="1" noMove="1" noResize="1" noEditPoints="1" noAdjustHandles="1" noChangeArrowheads="1" noChangeShapeType="1" noTextEdit="1"/>
+          </p:cNvSpPr>
+          <p:nvPr>
+            <p:extLst>
+              <p:ext uri="{386F3935-93C4-4BCD-93E2-E3B085C9AB24}">
+                <p16:designElem xmlns:p16="http://schemas.microsoft.com/office/powerpoint/2015/main" val="1"/>
+              </p:ext>
+            </p:extLst>
+          </p:nvPr>
+        </p:nvSpPr>
+        <p:spPr>
+          <a:xfrm flipH="1">
+            <a:off x="8576720" y="3335867"/>
+            <a:ext cx="3291840" cy="3200400"/>
+          </a:xfrm>
+          <a:prstGeom prst="rtTriangle">
+            <a:avLst/>
+          </a:prstGeom>
+          <a:solidFill>
+            <a:schemeClr val="accent4"/>
+          </a:solidFill>
+          <a:ln>
+            <a:noFill/>
+          </a:ln>
+        </p:spPr>
+        <p:style>
+          <a:lnRef idx="2">
+            <a:schemeClr val="accent1">
+              <a:shade val="50000"/>
+            </a:schemeClr>
+          </a:lnRef>
+          <a:fillRef idx="1">
+            <a:schemeClr val="accent1"/>
+          </a:fillRef>
+          <a:effectRef idx="0">
+            <a:schemeClr val="accent1"/>
+          </a:effectRef>
+          <a:fontRef idx="minor">
+            <a:schemeClr val="lt1"/>
+          </a:fontRef>
+        </p:style>
+        <p:txBody>
+          <a:bodyPr rtlCol="0" anchor="ctr"/>
+          <a:lstStyle/>
+          <a:p>
+            <a:pPr algn="ctr"/>
+            <a:endParaRPr lang="en-US" dirty="0"/>
+          </a:p>
+        </p:txBody>
+      </p:sp>
+      <p:sp>
+        <p:nvSpPr>
+          <p:cNvPr id="14" name="Rectangle 13">
+            <a:extLst>
+              <a:ext uri="{FF2B5EF4-FFF2-40B4-BE49-F238E27FC236}">
+                <a16:creationId xmlns:a16="http://schemas.microsoft.com/office/drawing/2014/main" id="{C37E9D4B-7BFA-4D10-B666-547BAC499469}"/>
+              </a:ext>
+              <a:ext uri="{C183D7F6-B498-43B3-948B-1728B52AA6E4}">
+                <adec:decorative xmlns:adec="http://schemas.microsoft.com/office/drawing/2017/decorative" val="1"/>
+              </a:ext>
+            </a:extLst>
+          </p:cNvPr>
+          <p:cNvSpPr>
+            <a:spLocks noGrp="1" noRot="1" noChangeAspect="1" noMove="1" noResize="1" noEditPoints="1" noAdjustHandles="1" noChangeArrowheads="1" noChangeShapeType="1" noTextEdit="1"/>
+          </p:cNvSpPr>
+          <p:nvPr>
+            <p:extLst>
+              <p:ext uri="{386F3935-93C4-4BCD-93E2-E3B085C9AB24}">
+                <p16:designElem xmlns:p16="http://schemas.microsoft.com/office/powerpoint/2015/main" val="1"/>
+              </p:ext>
+            </p:extLst>
+          </p:nvPr>
+        </p:nvSpPr>
+        <p:spPr>
+          <a:xfrm>
+            <a:off x="641774" y="623275"/>
+            <a:ext cx="10905053" cy="5607882"/>
+          </a:xfrm>
+          <a:prstGeom prst="rect">
+            <a:avLst/>
+          </a:prstGeom>
+          <a:noFill/>
+          <a:ln w="19050">
+            <a:solidFill>
+              <a:schemeClr val="tx1">
+                <a:lumMod val="75000"/>
+                <a:lumOff val="25000"/>
+              </a:schemeClr>
+            </a:solidFill>
+          </a:ln>
+        </p:spPr>
+        <p:style>
+          <a:lnRef idx="2">
+            <a:schemeClr val="accent1">
+              <a:shade val="50000"/>
+            </a:schemeClr>
+          </a:lnRef>
+          <a:fillRef idx="1">
+            <a:schemeClr val="accent1"/>
+          </a:fillRef>
+          <a:effectRef idx="0">
+            <a:schemeClr val="accent1"/>
+          </a:effectRef>
+          <a:fontRef idx="minor">
+            <a:schemeClr val="lt1"/>
+          </a:fontRef>
+        </p:style>
+        <p:txBody>
+          <a:bodyPr rtlCol="0" anchor="ctr"/>
+          <a:lstStyle/>
+          <a:p>
+            <a:pPr algn="ctr"/>
+            <a:endParaRPr lang="en-US"/>
+          </a:p>
+        </p:txBody>
+      </p:sp>
+      <p:pic>
+        <p:nvPicPr>
+          <p:cNvPr id="3" name="圖片 2">
+            <a:extLst>
+              <a:ext uri="{FF2B5EF4-FFF2-40B4-BE49-F238E27FC236}">
+                <a16:creationId xmlns:a16="http://schemas.microsoft.com/office/drawing/2014/main" id="{B6ACED5B-3B3D-EB9C-B4B2-5401F6AC5D56}"/>
+              </a:ext>
+            </a:extLst>
+          </p:cNvPr>
+          <p:cNvPicPr>
+            <a:picLocks noChangeAspect="1"/>
+          </p:cNvPicPr>
+          <p:nvPr/>
+        </p:nvPicPr>
+        <p:blipFill>
+          <a:blip r:embed="rId2"/>
+          <a:stretch>
+            <a:fillRect/>
+          </a:stretch>
+        </p:blipFill>
+        <p:spPr>
+          <a:xfrm>
+            <a:off x="996771" y="683633"/>
+            <a:ext cx="4839375" cy="5487166"/>
+          </a:xfrm>
+          <a:prstGeom prst="rect">
+            <a:avLst/>
+          </a:prstGeom>
+        </p:spPr>
+      </p:pic>
+      <p:sp>
+        <p:nvSpPr>
+          <p:cNvPr id="4" name="Google Shape;150;p17">
+            <a:extLst>
+              <a:ext uri="{FF2B5EF4-FFF2-40B4-BE49-F238E27FC236}">
+                <a16:creationId xmlns:a16="http://schemas.microsoft.com/office/drawing/2014/main" id="{BDCFFCD7-A43C-1004-F16B-62008834805E}"/>
+              </a:ext>
+            </a:extLst>
+          </p:cNvPr>
+          <p:cNvSpPr txBox="1">
+            <a:spLocks/>
+          </p:cNvSpPr>
+          <p:nvPr/>
+        </p:nvSpPr>
+        <p:spPr>
+          <a:xfrm>
+            <a:off x="6000749" y="3327588"/>
+            <a:ext cx="5353051" cy="2397167"/>
+          </a:xfrm>
+          <a:prstGeom prst="rect">
+            <a:avLst/>
+          </a:prstGeom>
+        </p:spPr>
+        <p:txBody>
+          <a:bodyPr spcFirstLastPara="1" vert="horz" wrap="square" lIns="0" tIns="0" rIns="0" bIns="0" rtlCol="0" anchor="b" anchorCtr="0">
+            <a:noAutofit/>
+          </a:bodyPr>
+          <a:lstStyle>
+            <a:lvl1pPr algn="l" defTabSz="914400" rtl="0" eaLnBrk="1" latinLnBrk="0" hangingPunct="1">
+              <a:lnSpc>
+                <a:spcPct val="90000"/>
+              </a:lnSpc>
+              <a:spcBef>
+                <a:spcPct val="0"/>
+              </a:spcBef>
+              <a:buNone/>
+              <a:defRPr sz="4400" kern="1200">
+                <a:solidFill>
+                  <a:schemeClr val="tx1"/>
+                </a:solidFill>
+                <a:latin typeface="+mj-lt"/>
+                <a:ea typeface="+mj-ea"/>
+                <a:cs typeface="+mj-cs"/>
+              </a:defRPr>
+            </a:lvl1pPr>
+          </a:lstStyle>
+          <a:p>
+            <a:pPr algn="ctr">
+              <a:spcBef>
+                <a:spcPts val="0"/>
+              </a:spcBef>
+            </a:pPr>
+            <a:r>
+              <a:rPr lang="zh-TW" altLang="en-US" sz="7200" dirty="0">
+                <a:latin typeface="源石黑體 B" panose="020B0800000000000000" pitchFamily="34" charset="-120"/>
+                <a:ea typeface="源石黑體 B" panose="020B0800000000000000" pitchFamily="34" charset="-120"/>
+              </a:rPr>
+              <a:t>將數值轉成定點數</a:t>
+            </a:r>
+            <a:endParaRPr lang="en-US" altLang="zh-TW" sz="7200" dirty="0">
+              <a:latin typeface="源石黑體 B" panose="020B0800000000000000" pitchFamily="34" charset="-120"/>
+              <a:ea typeface="源石黑體 B" panose="020B0800000000000000" pitchFamily="34" charset="-120"/>
+            </a:endParaRPr>
+          </a:p>
+          <a:p>
+            <a:pPr algn="ctr">
+              <a:spcBef>
+                <a:spcPts val="0"/>
+              </a:spcBef>
+            </a:pPr>
+            <a:r>
+              <a:rPr lang="zh-TW" altLang="en-US" sz="7200" dirty="0">
+                <a:latin typeface="源石黑體 B" panose="020B0800000000000000" pitchFamily="34" charset="-120"/>
+                <a:ea typeface="源石黑體 B" panose="020B0800000000000000" pitchFamily="34" charset="-120"/>
+              </a:rPr>
+              <a:t>針對負數補數</a:t>
+            </a:r>
+            <a:r>
+              <a:rPr lang="en-US" altLang="zh-TW" sz="7200" dirty="0">
+                <a:latin typeface="源石黑體 B" panose="020B0800000000000000" pitchFamily="34" charset="-120"/>
+                <a:ea typeface="源石黑體 B" panose="020B0800000000000000" pitchFamily="34" charset="-120"/>
+              </a:rPr>
+              <a:t>+1</a:t>
+            </a:r>
+            <a:r>
+              <a:rPr lang="zh-TW" altLang="en-US" sz="7200" dirty="0">
+                <a:latin typeface="源石黑體 B" panose="020B0800000000000000" pitchFamily="34" charset="-120"/>
+                <a:ea typeface="源石黑體 B" panose="020B0800000000000000" pitchFamily="34" charset="-120"/>
+              </a:rPr>
+              <a:t>即可</a:t>
+            </a:r>
+            <a:endParaRPr lang="en-US" sz="7200" dirty="0">
+              <a:latin typeface="源石黑體 B" panose="020B0800000000000000" pitchFamily="34" charset="-120"/>
+              <a:ea typeface="源石黑體 B" panose="020B0800000000000000" pitchFamily="34" charset="-120"/>
+            </a:endParaRPr>
+          </a:p>
+        </p:txBody>
+      </p:sp>
+      <p:sp>
+        <p:nvSpPr>
+          <p:cNvPr id="5" name="矩形 4">
+            <a:extLst>
+              <a:ext uri="{FF2B5EF4-FFF2-40B4-BE49-F238E27FC236}">
+                <a16:creationId xmlns:a16="http://schemas.microsoft.com/office/drawing/2014/main" id="{CC5CAD3F-C708-D1F9-65E3-5D2610DACAEB}"/>
+              </a:ext>
+            </a:extLst>
+          </p:cNvPr>
+          <p:cNvSpPr/>
+          <p:nvPr/>
+        </p:nvSpPr>
+        <p:spPr>
+          <a:xfrm>
+            <a:off x="1113391" y="2770095"/>
+            <a:ext cx="4462656" cy="2608729"/>
+          </a:xfrm>
+          <a:prstGeom prst="rect">
+            <a:avLst/>
+          </a:prstGeom>
+          <a:noFill/>
+          <a:ln w="76200">
+            <a:solidFill>
+              <a:srgbClr val="FF0000"/>
+            </a:solidFill>
+          </a:ln>
+        </p:spPr>
+        <p:style>
+          <a:lnRef idx="2">
+            <a:schemeClr val="accent1">
+              <a:shade val="50000"/>
+            </a:schemeClr>
+          </a:lnRef>
+          <a:fillRef idx="1">
+            <a:schemeClr val="accent1"/>
+          </a:fillRef>
+          <a:effectRef idx="0">
+            <a:schemeClr val="accent1"/>
+          </a:effectRef>
+          <a:fontRef idx="minor">
+            <a:schemeClr val="lt1"/>
+          </a:fontRef>
+        </p:style>
+        <p:txBody>
+          <a:bodyPr rtlCol="0" anchor="ctr"/>
+          <a:lstStyle/>
+          <a:p>
+            <a:pPr algn="ctr"/>
+            <a:endParaRPr lang="zh-TW" altLang="en-US"/>
+          </a:p>
+        </p:txBody>
+      </p:sp>
+    </p:spTree>
+    <p:extLst>
+      <p:ext uri="{BB962C8B-B14F-4D97-AF65-F5344CB8AC3E}">
+        <p14:creationId xmlns:p14="http://schemas.microsoft.com/office/powerpoint/2010/main" val="462411558"/>
+      </p:ext>
+    </p:extLst>
+  </p:cSld>
+  <p:clrMapOvr>
+    <a:masterClrMapping/>
+  </p:clrMapOvr>
+  <p:timing>
+    <p:tnLst>
+      <p:par>
+        <p:cTn id="1" dur="indefinite" restart="never" nodeType="tmRoot">
+          <p:childTnLst>
+            <p:seq concurrent="1" nextAc="seek">
+              <p:cTn id="2" dur="indefinite" nodeType="mainSeq">
+                <p:childTnLst>
+                  <p:par>
+                    <p:cTn id="3" fill="hold">
+                      <p:stCondLst>
+                        <p:cond delay="indefinite"/>
+                        <p:cond evt="onBegin" delay="0">
+                          <p:tn val="2"/>
+                        </p:cond>
+                      </p:stCondLst>
+                      <p:childTnLst>
+                        <p:par>
+                          <p:cTn id="4" fill="hold">
+                            <p:stCondLst>
+                              <p:cond delay="0"/>
+                            </p:stCondLst>
+                            <p:childTnLst>
+                              <p:par>
+                                <p:cTn id="5" presetID="22" presetClass="entr" presetSubtype="4" fill="hold" grpId="0" nodeType="withEffect">
+                                  <p:stCondLst>
+                                    <p:cond delay="0"/>
+                                  </p:stCondLst>
+                                  <p:childTnLst>
+                                    <p:set>
+                                      <p:cBhvr>
+                                        <p:cTn id="6" dur="1" fill="hold">
+                                          <p:stCondLst>
+                                            <p:cond delay="0"/>
+                                          </p:stCondLst>
+                                        </p:cTn>
+                                        <p:tgtEl>
+                                          <p:spTgt spid="5"/>
+                                        </p:tgtEl>
+                                        <p:attrNameLst>
+                                          <p:attrName>style.visibility</p:attrName>
+                                        </p:attrNameLst>
+                                      </p:cBhvr>
+                                      <p:to>
+                                        <p:strVal val="visible"/>
+                                      </p:to>
+                                    </p:set>
+                                    <p:animEffect transition="in" filter="wipe(down)">
+                                      <p:cBhvr>
+                                        <p:cTn id="7" dur="500"/>
+                                        <p:tgtEl>
+                                          <p:spTgt spid="5"/>
+                                        </p:tgtEl>
+                                      </p:cBhvr>
+                                    </p:animEffect>
+                                  </p:childTnLst>
+                                </p:cTn>
+                              </p:par>
+                            </p:childTnLst>
+                          </p:cTn>
+                        </p:par>
+                      </p:childTnLst>
+                    </p:cTn>
+                  </p:par>
+                </p:childTnLst>
+              </p:cTn>
+              <p:prevCondLst>
+                <p:cond evt="onPrev" delay="0">
+                  <p:tgtEl>
+                    <p:sldTgt/>
+                  </p:tgtEl>
+                </p:cond>
+              </p:prevCondLst>
+              <p:nextCondLst>
+                <p:cond evt="onNext" delay="0">
+                  <p:tgtEl>
+                    <p:sldTgt/>
+                  </p:tgtEl>
+                </p:cond>
+              </p:nextCondLst>
+            </p:seq>
+          </p:childTnLst>
+        </p:cTn>
+      </p:par>
+    </p:tnLst>
+    <p:bldLst>
+      <p:bldP spid="5" grpId="0" animBg="1"/>
+    </p:bldLst>
+  </p:timing>
+</p:sld>
+</file>
+
+<file path=ppt/slides/slide12.xml><?xml version="1.0" encoding="utf-8"?>
+<p:sld xmlns:a="http://schemas.openxmlformats.org/drawingml/2006/main" xmlns:r="http://schemas.openxmlformats.org/officeDocument/2006/relationships" xmlns:p="http://schemas.openxmlformats.org/presentationml/2006/main">
+  <p:cSld>
+    <p:bg>
+      <p:bgPr>
+        <a:solidFill>
+          <a:schemeClr val="bg1"/>
+        </a:solidFill>
+        <a:effectLst/>
+      </p:bgPr>
+    </p:bg>
+    <p:spTree>
+      <p:nvGrpSpPr>
+        <p:cNvPr id="1" name=""/>
+        <p:cNvGrpSpPr/>
+        <p:nvPr/>
+      </p:nvGrpSpPr>
+      <p:grpSpPr>
+        <a:xfrm>
+          <a:off x="0" y="0"/>
+          <a:ext cx="0" cy="0"/>
+          <a:chOff x="0" y="0"/>
+          <a:chExt cx="0" cy="0"/>
+        </a:xfrm>
+      </p:grpSpPr>
+      <p:sp useBgFill="1">
+        <p:nvSpPr>
+          <p:cNvPr id="10" name="Rectangle 9">
+            <a:extLst>
+              <a:ext uri="{FF2B5EF4-FFF2-40B4-BE49-F238E27FC236}">
+                <a16:creationId xmlns:a16="http://schemas.microsoft.com/office/drawing/2014/main" id="{22F15A2D-2324-487D-A02A-BF46C5C580EB}"/>
+              </a:ext>
+              <a:ext uri="{C183D7F6-B498-43B3-948B-1728B52AA6E4}">
+                <adec:decorative xmlns:adec="http://schemas.microsoft.com/office/drawing/2017/decorative" val="1"/>
+              </a:ext>
+            </a:extLst>
+          </p:cNvPr>
+          <p:cNvSpPr>
+            <a:spLocks noGrp="1" noRot="1" noChangeAspect="1" noMove="1" noResize="1" noEditPoints="1" noAdjustHandles="1" noChangeArrowheads="1" noChangeShapeType="1" noTextEdit="1"/>
+          </p:cNvSpPr>
+          <p:nvPr>
+            <p:extLst>
+              <p:ext uri="{386F3935-93C4-4BCD-93E2-E3B085C9AB24}">
+                <p16:designElem xmlns:p16="http://schemas.microsoft.com/office/powerpoint/2015/main" val="1"/>
+              </p:ext>
+            </p:extLst>
+          </p:nvPr>
+        </p:nvSpPr>
+        <p:spPr>
+          <a:xfrm>
+            <a:off x="0" y="0"/>
+            <a:ext cx="12192000" cy="6858000"/>
+          </a:xfrm>
+          <a:prstGeom prst="rect">
+            <a:avLst/>
+          </a:prstGeom>
+          <a:ln>
+            <a:noFill/>
+          </a:ln>
+        </p:spPr>
+        <p:style>
+          <a:lnRef idx="2">
+            <a:schemeClr val="accent1">
+              <a:shade val="50000"/>
+            </a:schemeClr>
+          </a:lnRef>
+          <a:fillRef idx="1">
+            <a:schemeClr val="accent1"/>
+          </a:fillRef>
+          <a:effectRef idx="0">
+            <a:schemeClr val="accent1"/>
+          </a:effectRef>
+          <a:fontRef idx="minor">
+            <a:schemeClr val="lt1"/>
+          </a:fontRef>
+        </p:style>
+        <p:txBody>
+          <a:bodyPr rtlCol="0" anchor="ctr"/>
+          <a:lstStyle/>
+          <a:p>
+            <a:pPr algn="ctr"/>
+            <a:endParaRPr lang="en-US"/>
+          </a:p>
+        </p:txBody>
+      </p:sp>
+      <p:sp>
+        <p:nvSpPr>
+          <p:cNvPr id="12" name="Right Triangle 11">
+            <a:extLst>
+              <a:ext uri="{FF2B5EF4-FFF2-40B4-BE49-F238E27FC236}">
+                <a16:creationId xmlns:a16="http://schemas.microsoft.com/office/drawing/2014/main" id="{2AEAFA59-923A-4F54-8B49-44C970BCC323}"/>
+              </a:ext>
+              <a:ext uri="{C183D7F6-B498-43B3-948B-1728B52AA6E4}">
+                <adec:decorative xmlns:adec="http://schemas.microsoft.com/office/drawing/2017/decorative" val="1"/>
+              </a:ext>
+            </a:extLst>
+          </p:cNvPr>
+          <p:cNvSpPr>
+            <a:spLocks noGrp="1" noRot="1" noChangeAspect="1" noMove="1" noResize="1" noEditPoints="1" noAdjustHandles="1" noChangeArrowheads="1" noChangeShapeType="1" noTextEdit="1"/>
+          </p:cNvSpPr>
+          <p:nvPr>
+            <p:extLst>
+              <p:ext uri="{386F3935-93C4-4BCD-93E2-E3B085C9AB24}">
+                <p16:designElem xmlns:p16="http://schemas.microsoft.com/office/powerpoint/2015/main" val="1"/>
+              </p:ext>
+            </p:extLst>
+          </p:nvPr>
+        </p:nvSpPr>
+        <p:spPr>
+          <a:xfrm flipH="1">
+            <a:off x="8576720" y="3335867"/>
+            <a:ext cx="3291840" cy="3200400"/>
+          </a:xfrm>
+          <a:prstGeom prst="rtTriangle">
+            <a:avLst/>
+          </a:prstGeom>
+          <a:solidFill>
+            <a:schemeClr val="accent4"/>
+          </a:solidFill>
+          <a:ln>
+            <a:noFill/>
+          </a:ln>
+        </p:spPr>
+        <p:style>
+          <a:lnRef idx="2">
+            <a:schemeClr val="accent1">
+              <a:shade val="50000"/>
+            </a:schemeClr>
+          </a:lnRef>
+          <a:fillRef idx="1">
+            <a:schemeClr val="accent1"/>
+          </a:fillRef>
+          <a:effectRef idx="0">
+            <a:schemeClr val="accent1"/>
+          </a:effectRef>
+          <a:fontRef idx="minor">
+            <a:schemeClr val="lt1"/>
+          </a:fontRef>
+        </p:style>
+        <p:txBody>
+          <a:bodyPr rtlCol="0" anchor="ctr"/>
+          <a:lstStyle/>
+          <a:p>
+            <a:pPr algn="ctr"/>
+            <a:endParaRPr lang="en-US" dirty="0"/>
+          </a:p>
+        </p:txBody>
+      </p:sp>
+      <p:sp>
+        <p:nvSpPr>
+          <p:cNvPr id="14" name="Rectangle 13">
+            <a:extLst>
+              <a:ext uri="{FF2B5EF4-FFF2-40B4-BE49-F238E27FC236}">
+                <a16:creationId xmlns:a16="http://schemas.microsoft.com/office/drawing/2014/main" id="{C37E9D4B-7BFA-4D10-B666-547BAC499469}"/>
+              </a:ext>
+              <a:ext uri="{C183D7F6-B498-43B3-948B-1728B52AA6E4}">
+                <adec:decorative xmlns:adec="http://schemas.microsoft.com/office/drawing/2017/decorative" val="1"/>
+              </a:ext>
+            </a:extLst>
+          </p:cNvPr>
+          <p:cNvSpPr>
+            <a:spLocks noGrp="1" noRot="1" noChangeAspect="1" noMove="1" noResize="1" noEditPoints="1" noAdjustHandles="1" noChangeArrowheads="1" noChangeShapeType="1" noTextEdit="1"/>
+          </p:cNvSpPr>
+          <p:nvPr>
+            <p:extLst>
+              <p:ext uri="{386F3935-93C4-4BCD-93E2-E3B085C9AB24}">
+                <p16:designElem xmlns:p16="http://schemas.microsoft.com/office/powerpoint/2015/main" val="1"/>
+              </p:ext>
+            </p:extLst>
+          </p:nvPr>
+        </p:nvSpPr>
+        <p:spPr>
+          <a:xfrm>
+            <a:off x="641774" y="623275"/>
+            <a:ext cx="10905053" cy="5607882"/>
+          </a:xfrm>
+          <a:prstGeom prst="rect">
+            <a:avLst/>
+          </a:prstGeom>
+          <a:noFill/>
+          <a:ln w="19050">
+            <a:solidFill>
+              <a:schemeClr val="tx1">
+                <a:lumMod val="75000"/>
+                <a:lumOff val="25000"/>
+              </a:schemeClr>
+            </a:solidFill>
+          </a:ln>
+        </p:spPr>
+        <p:style>
+          <a:lnRef idx="2">
+            <a:schemeClr val="accent1">
+              <a:shade val="50000"/>
+            </a:schemeClr>
+          </a:lnRef>
+          <a:fillRef idx="1">
+            <a:schemeClr val="accent1"/>
+          </a:fillRef>
+          <a:effectRef idx="0">
+            <a:schemeClr val="accent1"/>
+          </a:effectRef>
+          <a:fontRef idx="minor">
+            <a:schemeClr val="lt1"/>
+          </a:fontRef>
+        </p:style>
+        <p:txBody>
+          <a:bodyPr rtlCol="0" anchor="ctr"/>
+          <a:lstStyle/>
+          <a:p>
+            <a:pPr algn="ctr"/>
+            <a:endParaRPr lang="en-US"/>
+          </a:p>
+        </p:txBody>
+      </p:sp>
+      <p:pic>
+        <p:nvPicPr>
+          <p:cNvPr id="5" name="圖片 4" descr="一張含有 文字 的圖片&#10;&#10;自動產生的描述">
+            <a:extLst>
+              <a:ext uri="{FF2B5EF4-FFF2-40B4-BE49-F238E27FC236}">
+                <a16:creationId xmlns:a16="http://schemas.microsoft.com/office/drawing/2014/main" id="{29DD1305-F7F7-6074-8618-8F31EF66D222}"/>
+              </a:ext>
+            </a:extLst>
+          </p:cNvPr>
+          <p:cNvPicPr>
+            <a:picLocks noChangeAspect="1"/>
+          </p:cNvPicPr>
+          <p:nvPr/>
+        </p:nvPicPr>
+        <p:blipFill>
+          <a:blip r:embed="rId2"/>
+          <a:stretch>
+            <a:fillRect/>
+          </a:stretch>
+        </p:blipFill>
+        <p:spPr>
+          <a:xfrm>
+            <a:off x="962163" y="941615"/>
+            <a:ext cx="7746709" cy="3447286"/>
+          </a:xfrm>
+          <a:prstGeom prst="rect">
+            <a:avLst/>
+          </a:prstGeom>
+        </p:spPr>
+      </p:pic>
+      <p:sp>
+        <p:nvSpPr>
+          <p:cNvPr id="6" name="Google Shape;150;p17">
+            <a:extLst>
+              <a:ext uri="{FF2B5EF4-FFF2-40B4-BE49-F238E27FC236}">
+                <a16:creationId xmlns:a16="http://schemas.microsoft.com/office/drawing/2014/main" id="{AD7FA91A-9116-49A1-6629-43E11BDCF3B2}"/>
+              </a:ext>
+            </a:extLst>
+          </p:cNvPr>
+          <p:cNvSpPr txBox="1">
+            <a:spLocks/>
+          </p:cNvSpPr>
+          <p:nvPr/>
+        </p:nvSpPr>
+        <p:spPr>
+          <a:xfrm>
+            <a:off x="962163" y="4770765"/>
+            <a:ext cx="8158574" cy="1137986"/>
+          </a:xfrm>
+          <a:prstGeom prst="rect">
+            <a:avLst/>
+          </a:prstGeom>
+        </p:spPr>
+        <p:txBody>
+          <a:bodyPr spcFirstLastPara="1" vert="horz" wrap="square" lIns="0" tIns="0" rIns="0" bIns="0" rtlCol="0" anchor="b" anchorCtr="0">
+            <a:noAutofit/>
+          </a:bodyPr>
+          <a:lstStyle>
+            <a:lvl1pPr algn="l" defTabSz="914400" rtl="0" eaLnBrk="1" latinLnBrk="0" hangingPunct="1">
+              <a:lnSpc>
+                <a:spcPct val="90000"/>
+              </a:lnSpc>
+              <a:spcBef>
+                <a:spcPct val="0"/>
+              </a:spcBef>
+              <a:buNone/>
+              <a:defRPr sz="4400" kern="1200">
+                <a:solidFill>
+                  <a:schemeClr val="tx1"/>
+                </a:solidFill>
+                <a:latin typeface="+mj-lt"/>
+                <a:ea typeface="+mj-ea"/>
+                <a:cs typeface="+mj-cs"/>
+              </a:defRPr>
+            </a:lvl1pPr>
+          </a:lstStyle>
+          <a:p>
+            <a:pPr>
+              <a:spcBef>
+                <a:spcPts val="0"/>
+              </a:spcBef>
+            </a:pPr>
+            <a:r>
+              <a:rPr lang="zh-TW" altLang="en-US" sz="7200" dirty="0">
+                <a:latin typeface="源石黑體 B" panose="020B0800000000000000" pitchFamily="34" charset="-120"/>
+                <a:ea typeface="源石黑體 B" panose="020B0800000000000000" pitchFamily="34" charset="-120"/>
+              </a:rPr>
+              <a:t>讀測試檔案</a:t>
+            </a:r>
+            <a:endParaRPr lang="en-US" sz="7200" dirty="0">
+              <a:latin typeface="源石黑體 B" panose="020B0800000000000000" pitchFamily="34" charset="-120"/>
+              <a:ea typeface="源石黑體 B" panose="020B0800000000000000" pitchFamily="34" charset="-120"/>
+            </a:endParaRPr>
+          </a:p>
+        </p:txBody>
+      </p:sp>
+    </p:spTree>
+    <p:extLst>
+      <p:ext uri="{BB962C8B-B14F-4D97-AF65-F5344CB8AC3E}">
+        <p14:creationId xmlns:p14="http://schemas.microsoft.com/office/powerpoint/2010/main" val="1870092400"/>
+      </p:ext>
+    </p:extLst>
+  </p:cSld>
+  <p:clrMapOvr>
+    <a:masterClrMapping/>
+  </p:clrMapOvr>
+</p:sld>
+</file>
+
+<file path=ppt/slides/slide13.xml><?xml version="1.0" encoding="utf-8"?>
+<p:sld xmlns:a="http://schemas.openxmlformats.org/drawingml/2006/main" xmlns:r="http://schemas.openxmlformats.org/officeDocument/2006/relationships" xmlns:p="http://schemas.openxmlformats.org/presentationml/2006/main">
+  <p:cSld>
+    <p:bg>
+      <p:bgPr>
+        <a:solidFill>
+          <a:schemeClr val="bg1"/>
+        </a:solidFill>
+        <a:effectLst/>
+      </p:bgPr>
+    </p:bg>
+    <p:spTree>
+      <p:nvGrpSpPr>
+        <p:cNvPr id="1" name=""/>
+        <p:cNvGrpSpPr/>
+        <p:nvPr/>
+      </p:nvGrpSpPr>
+      <p:grpSpPr>
+        <a:xfrm>
+          <a:off x="0" y="0"/>
+          <a:ext cx="0" cy="0"/>
+          <a:chOff x="0" y="0"/>
+          <a:chExt cx="0" cy="0"/>
+        </a:xfrm>
+      </p:grpSpPr>
+      <p:sp useBgFill="1">
+        <p:nvSpPr>
+          <p:cNvPr id="10" name="Rectangle 9">
+            <a:extLst>
+              <a:ext uri="{FF2B5EF4-FFF2-40B4-BE49-F238E27FC236}">
+                <a16:creationId xmlns:a16="http://schemas.microsoft.com/office/drawing/2014/main" id="{22F15A2D-2324-487D-A02A-BF46C5C580EB}"/>
+              </a:ext>
+              <a:ext uri="{C183D7F6-B498-43B3-948B-1728B52AA6E4}">
+                <adec:decorative xmlns:adec="http://schemas.microsoft.com/office/drawing/2017/decorative" val="1"/>
+              </a:ext>
+            </a:extLst>
+          </p:cNvPr>
+          <p:cNvSpPr>
+            <a:spLocks noGrp="1" noRot="1" noChangeAspect="1" noMove="1" noResize="1" noEditPoints="1" noAdjustHandles="1" noChangeArrowheads="1" noChangeShapeType="1" noTextEdit="1"/>
+          </p:cNvSpPr>
+          <p:nvPr>
+            <p:extLst>
+              <p:ext uri="{386F3935-93C4-4BCD-93E2-E3B085C9AB24}">
+                <p16:designElem xmlns:p16="http://schemas.microsoft.com/office/powerpoint/2015/main" val="1"/>
+              </p:ext>
+            </p:extLst>
+          </p:nvPr>
+        </p:nvSpPr>
+        <p:spPr>
+          <a:xfrm>
+            <a:off x="0" y="0"/>
+            <a:ext cx="12192000" cy="6858000"/>
+          </a:xfrm>
+          <a:prstGeom prst="rect">
+            <a:avLst/>
+          </a:prstGeom>
+          <a:ln>
+            <a:noFill/>
+          </a:ln>
+        </p:spPr>
+        <p:style>
+          <a:lnRef idx="2">
+            <a:schemeClr val="accent1">
+              <a:shade val="50000"/>
+            </a:schemeClr>
+          </a:lnRef>
+          <a:fillRef idx="1">
+            <a:schemeClr val="accent1"/>
+          </a:fillRef>
+          <a:effectRef idx="0">
+            <a:schemeClr val="accent1"/>
+          </a:effectRef>
+          <a:fontRef idx="minor">
+            <a:schemeClr val="lt1"/>
+          </a:fontRef>
+        </p:style>
+        <p:txBody>
+          <a:bodyPr rtlCol="0" anchor="ctr"/>
+          <a:lstStyle/>
+          <a:p>
+            <a:pPr algn="ctr"/>
+            <a:endParaRPr lang="en-US"/>
+          </a:p>
+        </p:txBody>
+      </p:sp>
+      <p:sp>
+        <p:nvSpPr>
+          <p:cNvPr id="12" name="Right Triangle 11">
+            <a:extLst>
+              <a:ext uri="{FF2B5EF4-FFF2-40B4-BE49-F238E27FC236}">
+                <a16:creationId xmlns:a16="http://schemas.microsoft.com/office/drawing/2014/main" id="{2AEAFA59-923A-4F54-8B49-44C970BCC323}"/>
+              </a:ext>
+              <a:ext uri="{C183D7F6-B498-43B3-948B-1728B52AA6E4}">
+                <adec:decorative xmlns:adec="http://schemas.microsoft.com/office/drawing/2017/decorative" val="1"/>
+              </a:ext>
+            </a:extLst>
+          </p:cNvPr>
+          <p:cNvSpPr>
+            <a:spLocks noGrp="1" noRot="1" noChangeAspect="1" noMove="1" noResize="1" noEditPoints="1" noAdjustHandles="1" noChangeArrowheads="1" noChangeShapeType="1" noTextEdit="1"/>
+          </p:cNvSpPr>
+          <p:nvPr>
+            <p:extLst>
+              <p:ext uri="{386F3935-93C4-4BCD-93E2-E3B085C9AB24}">
+                <p16:designElem xmlns:p16="http://schemas.microsoft.com/office/powerpoint/2015/main" val="1"/>
+              </p:ext>
+            </p:extLst>
+          </p:nvPr>
+        </p:nvSpPr>
+        <p:spPr>
+          <a:xfrm flipH="1">
+            <a:off x="8576720" y="3335867"/>
+            <a:ext cx="3291840" cy="3200400"/>
+          </a:xfrm>
+          <a:prstGeom prst="rtTriangle">
+            <a:avLst/>
+          </a:prstGeom>
+          <a:solidFill>
+            <a:schemeClr val="accent4"/>
+          </a:solidFill>
+          <a:ln>
+            <a:noFill/>
+          </a:ln>
+        </p:spPr>
+        <p:style>
+          <a:lnRef idx="2">
+            <a:schemeClr val="accent1">
+              <a:shade val="50000"/>
+            </a:schemeClr>
+          </a:lnRef>
+          <a:fillRef idx="1">
+            <a:schemeClr val="accent1"/>
+          </a:fillRef>
+          <a:effectRef idx="0">
+            <a:schemeClr val="accent1"/>
+          </a:effectRef>
+          <a:fontRef idx="minor">
+            <a:schemeClr val="lt1"/>
+          </a:fontRef>
+        </p:style>
+        <p:txBody>
+          <a:bodyPr rtlCol="0" anchor="ctr"/>
+          <a:lstStyle/>
+          <a:p>
+            <a:pPr algn="ctr"/>
+            <a:endParaRPr lang="en-US" dirty="0"/>
+          </a:p>
+        </p:txBody>
+      </p:sp>
+      <p:sp>
+        <p:nvSpPr>
+          <p:cNvPr id="14" name="Rectangle 13">
+            <a:extLst>
+              <a:ext uri="{FF2B5EF4-FFF2-40B4-BE49-F238E27FC236}">
+                <a16:creationId xmlns:a16="http://schemas.microsoft.com/office/drawing/2014/main" id="{C37E9D4B-7BFA-4D10-B666-547BAC499469}"/>
+              </a:ext>
+              <a:ext uri="{C183D7F6-B498-43B3-948B-1728B52AA6E4}">
+                <adec:decorative xmlns:adec="http://schemas.microsoft.com/office/drawing/2017/decorative" val="1"/>
+              </a:ext>
+            </a:extLst>
+          </p:cNvPr>
+          <p:cNvSpPr>
+            <a:spLocks noGrp="1" noRot="1" noChangeAspect="1" noMove="1" noResize="1" noEditPoints="1" noAdjustHandles="1" noChangeArrowheads="1" noChangeShapeType="1" noTextEdit="1"/>
+          </p:cNvSpPr>
+          <p:nvPr>
+            <p:extLst>
+              <p:ext uri="{386F3935-93C4-4BCD-93E2-E3B085C9AB24}">
+                <p16:designElem xmlns:p16="http://schemas.microsoft.com/office/powerpoint/2015/main" val="1"/>
+              </p:ext>
+            </p:extLst>
+          </p:nvPr>
+        </p:nvSpPr>
+        <p:spPr>
+          <a:xfrm>
+            <a:off x="641774" y="623275"/>
+            <a:ext cx="10905053" cy="5607882"/>
+          </a:xfrm>
+          <a:prstGeom prst="rect">
+            <a:avLst/>
+          </a:prstGeom>
+          <a:noFill/>
+          <a:ln w="19050">
+            <a:solidFill>
+              <a:schemeClr val="tx1">
+                <a:lumMod val="75000"/>
+                <a:lumOff val="25000"/>
+              </a:schemeClr>
+            </a:solidFill>
+          </a:ln>
+        </p:spPr>
+        <p:style>
+          <a:lnRef idx="2">
+            <a:schemeClr val="accent1">
+              <a:shade val="50000"/>
+            </a:schemeClr>
+          </a:lnRef>
+          <a:fillRef idx="1">
+            <a:schemeClr val="accent1"/>
+          </a:fillRef>
+          <a:effectRef idx="0">
+            <a:schemeClr val="accent1"/>
+          </a:effectRef>
+          <a:fontRef idx="minor">
+            <a:schemeClr val="lt1"/>
+          </a:fontRef>
+        </p:style>
+        <p:txBody>
+          <a:bodyPr rtlCol="0" anchor="ctr"/>
+          <a:lstStyle/>
+          <a:p>
+            <a:pPr algn="ctr"/>
+            <a:endParaRPr lang="en-US"/>
+          </a:p>
+        </p:txBody>
+      </p:sp>
+      <p:pic>
+        <p:nvPicPr>
+          <p:cNvPr id="5" name="圖片 4">
+            <a:extLst>
+              <a:ext uri="{FF2B5EF4-FFF2-40B4-BE49-F238E27FC236}">
+                <a16:creationId xmlns:a16="http://schemas.microsoft.com/office/drawing/2014/main" id="{29DD1305-F7F7-6074-8618-8F31EF66D222}"/>
+              </a:ext>
+            </a:extLst>
+          </p:cNvPr>
+          <p:cNvPicPr>
+            <a:picLocks noChangeAspect="1"/>
+          </p:cNvPicPr>
+          <p:nvPr/>
+        </p:nvPicPr>
+        <p:blipFill>
+          <a:blip r:embed="rId2">
+            <a:extLst>
+              <a:ext uri="{28A0092B-C50C-407E-A947-70E740481C1C}">
+                <a14:useLocalDpi xmlns:a14="http://schemas.microsoft.com/office/drawing/2010/main" val="0"/>
+              </a:ext>
+            </a:extLst>
+          </a:blip>
+          <a:srcRect/>
+          <a:stretch/>
+        </p:blipFill>
+        <p:spPr>
+          <a:xfrm>
+            <a:off x="851288" y="841585"/>
+            <a:ext cx="8292769" cy="4680674"/>
+          </a:xfrm>
+          <a:prstGeom prst="rect">
+            <a:avLst/>
+          </a:prstGeom>
+        </p:spPr>
+      </p:pic>
+      <p:sp>
+        <p:nvSpPr>
+          <p:cNvPr id="2" name="矩形 1">
+            <a:extLst>
+              <a:ext uri="{FF2B5EF4-FFF2-40B4-BE49-F238E27FC236}">
+                <a16:creationId xmlns:a16="http://schemas.microsoft.com/office/drawing/2014/main" id="{139E508C-A6C8-F07D-1D13-DC4EF185D0DF}"/>
+              </a:ext>
+            </a:extLst>
+          </p:cNvPr>
+          <p:cNvSpPr/>
+          <p:nvPr/>
+        </p:nvSpPr>
+        <p:spPr>
+          <a:xfrm>
+            <a:off x="1652767" y="1239380"/>
+            <a:ext cx="3134386" cy="903186"/>
+          </a:xfrm>
+          <a:prstGeom prst="rect">
+            <a:avLst/>
+          </a:prstGeom>
+          <a:noFill/>
+          <a:ln w="57150">
+            <a:solidFill>
+              <a:srgbClr val="A83724"/>
+            </a:solidFill>
+          </a:ln>
+        </p:spPr>
+        <p:style>
+          <a:lnRef idx="2">
+            <a:schemeClr val="accent1">
+              <a:shade val="50000"/>
+            </a:schemeClr>
+          </a:lnRef>
+          <a:fillRef idx="1">
+            <a:schemeClr val="accent1"/>
+          </a:fillRef>
+          <a:effectRef idx="0">
+            <a:schemeClr val="accent1"/>
+          </a:effectRef>
+          <a:fontRef idx="minor">
+            <a:schemeClr val="lt1"/>
+          </a:fontRef>
+        </p:style>
+        <p:txBody>
+          <a:bodyPr rtlCol="0" anchor="ctr"/>
+          <a:lstStyle/>
+          <a:p>
+            <a:pPr algn="ctr"/>
+            <a:endParaRPr lang="zh-TW" altLang="en-US"/>
+          </a:p>
+        </p:txBody>
+      </p:sp>
+      <p:sp>
+        <p:nvSpPr>
+          <p:cNvPr id="3" name="矩形 2">
+            <a:extLst>
+              <a:ext uri="{FF2B5EF4-FFF2-40B4-BE49-F238E27FC236}">
+                <a16:creationId xmlns:a16="http://schemas.microsoft.com/office/drawing/2014/main" id="{FFE893E3-1146-D4ED-0CA2-A75BD4C87BEA}"/>
+              </a:ext>
+            </a:extLst>
+          </p:cNvPr>
+          <p:cNvSpPr/>
+          <p:nvPr/>
+        </p:nvSpPr>
+        <p:spPr>
+          <a:xfrm>
+            <a:off x="9785831" y="1039942"/>
+            <a:ext cx="1117573" cy="318909"/>
+          </a:xfrm>
+          <a:prstGeom prst="rect">
+            <a:avLst/>
+          </a:prstGeom>
+          <a:solidFill>
+            <a:srgbClr val="A83724"/>
+          </a:solidFill>
+          <a:ln>
+            <a:noFill/>
+          </a:ln>
+        </p:spPr>
+        <p:style>
+          <a:lnRef idx="2">
+            <a:schemeClr val="accent1">
+              <a:shade val="50000"/>
+            </a:schemeClr>
+          </a:lnRef>
+          <a:fillRef idx="1">
+            <a:schemeClr val="accent1"/>
+          </a:fillRef>
+          <a:effectRef idx="0">
+            <a:schemeClr val="accent1"/>
+          </a:effectRef>
+          <a:fontRef idx="minor">
+            <a:schemeClr val="lt1"/>
+          </a:fontRef>
+        </p:style>
+        <p:txBody>
+          <a:bodyPr rtlCol="0" anchor="ctr"/>
+          <a:lstStyle/>
+          <a:p>
+            <a:pPr algn="ctr"/>
+            <a:r>
+              <a:rPr lang="zh-TW" altLang="en-US" sz="1600" dirty="0">
+                <a:ln w="0"/>
+                <a:solidFill>
+                  <a:schemeClr val="bg1"/>
+                </a:solidFill>
+                <a:effectLst>
+                  <a:outerShdw blurRad="38100" dist="19050" dir="2700000" algn="tl" rotWithShape="0">
+                    <a:schemeClr val="dk1">
+                      <a:alpha val="40000"/>
+                    </a:schemeClr>
+                  </a:outerShdw>
+                </a:effectLst>
+                <a:latin typeface="源石黑體 R" panose="020B0500000000000000" pitchFamily="34" charset="-120"/>
+                <a:ea typeface="源石黑體 R" panose="020B0500000000000000" pitchFamily="34" charset="-120"/>
+              </a:rPr>
+              <a:t>初始化</a:t>
+            </a:r>
+          </a:p>
+        </p:txBody>
+      </p:sp>
+      <p:cxnSp>
+        <p:nvCxnSpPr>
+          <p:cNvPr id="4" name="直線接點 3">
+            <a:extLst>
+              <a:ext uri="{FF2B5EF4-FFF2-40B4-BE49-F238E27FC236}">
+                <a16:creationId xmlns:a16="http://schemas.microsoft.com/office/drawing/2014/main" id="{8BD42F48-494A-A653-E02A-8DF2873B9BCF}"/>
+              </a:ext>
+            </a:extLst>
+          </p:cNvPr>
+          <p:cNvCxnSpPr>
+            <a:cxnSpLocks/>
+            <a:stCxn id="2" idx="3"/>
+            <a:endCxn id="3" idx="1"/>
+          </p:cNvCxnSpPr>
+          <p:nvPr/>
+        </p:nvCxnSpPr>
+        <p:spPr>
+          <a:xfrm flipV="1">
+            <a:off x="4787153" y="1199397"/>
+            <a:ext cx="4998678" cy="491576"/>
+          </a:xfrm>
+          <a:prstGeom prst="line">
+            <a:avLst/>
+          </a:prstGeom>
+          <a:ln w="38100">
+            <a:solidFill>
+              <a:srgbClr val="A83724"/>
+            </a:solidFill>
+          </a:ln>
+        </p:spPr>
+        <p:style>
+          <a:lnRef idx="1">
+            <a:schemeClr val="accent1"/>
+          </a:lnRef>
+          <a:fillRef idx="0">
+            <a:schemeClr val="accent1"/>
+          </a:fillRef>
+          <a:effectRef idx="0">
+            <a:schemeClr val="accent1"/>
+          </a:effectRef>
+          <a:fontRef idx="minor">
+            <a:schemeClr val="tx1"/>
+          </a:fontRef>
+        </p:style>
+      </p:cxnSp>
+      <p:sp>
+        <p:nvSpPr>
+          <p:cNvPr id="13" name="矩形 12">
+            <a:extLst>
+              <a:ext uri="{FF2B5EF4-FFF2-40B4-BE49-F238E27FC236}">
+                <a16:creationId xmlns:a16="http://schemas.microsoft.com/office/drawing/2014/main" id="{33719A0C-C262-8D58-C165-890785C64931}"/>
+              </a:ext>
+            </a:extLst>
+          </p:cNvPr>
+          <p:cNvSpPr/>
+          <p:nvPr/>
+        </p:nvSpPr>
+        <p:spPr>
+          <a:xfrm>
+            <a:off x="2463602" y="2531075"/>
+            <a:ext cx="6268022" cy="310896"/>
+          </a:xfrm>
+          <a:prstGeom prst="rect">
+            <a:avLst/>
+          </a:prstGeom>
+          <a:noFill/>
+          <a:ln w="57150">
+            <a:solidFill>
+              <a:srgbClr val="A83724"/>
+            </a:solidFill>
+          </a:ln>
+        </p:spPr>
+        <p:style>
+          <a:lnRef idx="2">
+            <a:schemeClr val="accent1">
+              <a:shade val="50000"/>
+            </a:schemeClr>
+          </a:lnRef>
+          <a:fillRef idx="1">
+            <a:schemeClr val="accent1"/>
+          </a:fillRef>
+          <a:effectRef idx="0">
+            <a:schemeClr val="accent1"/>
+          </a:effectRef>
+          <a:fontRef idx="minor">
+            <a:schemeClr val="lt1"/>
+          </a:fontRef>
+        </p:style>
+        <p:txBody>
+          <a:bodyPr rtlCol="0" anchor="ctr"/>
+          <a:lstStyle/>
+          <a:p>
+            <a:pPr algn="ctr"/>
+            <a:endParaRPr lang="zh-TW" altLang="en-US"/>
+          </a:p>
+        </p:txBody>
+      </p:sp>
+      <p:sp>
+        <p:nvSpPr>
+          <p:cNvPr id="15" name="矩形 14">
+            <a:extLst>
+              <a:ext uri="{FF2B5EF4-FFF2-40B4-BE49-F238E27FC236}">
+                <a16:creationId xmlns:a16="http://schemas.microsoft.com/office/drawing/2014/main" id="{7C67E100-D356-17D3-94C4-3C5726FDE8EC}"/>
+              </a:ext>
+            </a:extLst>
+          </p:cNvPr>
+          <p:cNvSpPr/>
+          <p:nvPr/>
+        </p:nvSpPr>
+        <p:spPr>
+          <a:xfrm>
+            <a:off x="9785830" y="1690973"/>
+            <a:ext cx="1339370" cy="318909"/>
+          </a:xfrm>
+          <a:prstGeom prst="rect">
+            <a:avLst/>
+          </a:prstGeom>
+          <a:solidFill>
+            <a:srgbClr val="A83724"/>
+          </a:solidFill>
+          <a:ln>
+            <a:noFill/>
+          </a:ln>
+        </p:spPr>
+        <p:style>
+          <a:lnRef idx="2">
+            <a:schemeClr val="accent1">
+              <a:shade val="50000"/>
+            </a:schemeClr>
+          </a:lnRef>
+          <a:fillRef idx="1">
+            <a:schemeClr val="accent1"/>
+          </a:fillRef>
+          <a:effectRef idx="0">
+            <a:schemeClr val="accent1"/>
+          </a:effectRef>
+          <a:fontRef idx="minor">
+            <a:schemeClr val="lt1"/>
+          </a:fontRef>
+        </p:style>
+        <p:txBody>
+          <a:bodyPr rtlCol="0" anchor="ctr"/>
+          <a:lstStyle/>
+          <a:p>
+            <a:pPr algn="ctr"/>
+            <a:r>
+              <a:rPr lang="zh-TW" altLang="en-US" sz="1600" dirty="0">
+                <a:ln w="0"/>
+                <a:solidFill>
+                  <a:schemeClr val="bg1"/>
+                </a:solidFill>
+                <a:effectLst>
+                  <a:outerShdw blurRad="38100" dist="19050" dir="2700000" algn="tl" rotWithShape="0">
+                    <a:schemeClr val="dk1">
+                      <a:alpha val="40000"/>
+                    </a:schemeClr>
+                  </a:outerShdw>
+                </a:effectLst>
+                <a:latin typeface="源石黑體 R" panose="020B0500000000000000" pitchFamily="34" charset="-120"/>
+                <a:ea typeface="源石黑體 R" panose="020B0500000000000000" pitchFamily="34" charset="-120"/>
+              </a:rPr>
+              <a:t>從測資取值</a:t>
+            </a:r>
+          </a:p>
+        </p:txBody>
+      </p:sp>
+      <p:cxnSp>
+        <p:nvCxnSpPr>
+          <p:cNvPr id="16" name="直線接點 15">
+            <a:extLst>
+              <a:ext uri="{FF2B5EF4-FFF2-40B4-BE49-F238E27FC236}">
+                <a16:creationId xmlns:a16="http://schemas.microsoft.com/office/drawing/2014/main" id="{2E21F58A-59D0-809E-D7E5-1A9783842C2F}"/>
+              </a:ext>
+            </a:extLst>
+          </p:cNvPr>
+          <p:cNvCxnSpPr>
+            <a:cxnSpLocks/>
+            <a:stCxn id="13" idx="3"/>
+            <a:endCxn id="15" idx="1"/>
+          </p:cNvCxnSpPr>
+          <p:nvPr/>
+        </p:nvCxnSpPr>
+        <p:spPr>
+          <a:xfrm flipV="1">
+            <a:off x="8731624" y="1850428"/>
+            <a:ext cx="1054206" cy="836095"/>
+          </a:xfrm>
+          <a:prstGeom prst="line">
+            <a:avLst/>
+          </a:prstGeom>
+          <a:ln w="38100">
+            <a:solidFill>
+              <a:srgbClr val="A83724"/>
+            </a:solidFill>
+          </a:ln>
+        </p:spPr>
+        <p:style>
+          <a:lnRef idx="1">
+            <a:schemeClr val="accent1"/>
+          </a:lnRef>
+          <a:fillRef idx="0">
+            <a:schemeClr val="accent1"/>
+          </a:fillRef>
+          <a:effectRef idx="0">
+            <a:schemeClr val="accent1"/>
+          </a:effectRef>
+          <a:fontRef idx="minor">
+            <a:schemeClr val="tx1"/>
+          </a:fontRef>
+        </p:style>
+      </p:cxnSp>
+      <p:sp>
+        <p:nvSpPr>
+          <p:cNvPr id="20" name="矩形 19">
+            <a:extLst>
+              <a:ext uri="{FF2B5EF4-FFF2-40B4-BE49-F238E27FC236}">
+                <a16:creationId xmlns:a16="http://schemas.microsoft.com/office/drawing/2014/main" id="{D10A47FF-120D-C695-6EB9-56C58B18CF91}"/>
+              </a:ext>
+            </a:extLst>
+          </p:cNvPr>
+          <p:cNvSpPr/>
+          <p:nvPr/>
+        </p:nvSpPr>
+        <p:spPr>
+          <a:xfrm>
+            <a:off x="2406170" y="3125981"/>
+            <a:ext cx="6268022" cy="1508771"/>
+          </a:xfrm>
+          <a:prstGeom prst="rect">
+            <a:avLst/>
+          </a:prstGeom>
+          <a:noFill/>
+          <a:ln w="57150">
+            <a:solidFill>
+              <a:srgbClr val="A83724"/>
+            </a:solidFill>
+          </a:ln>
+        </p:spPr>
+        <p:style>
+          <a:lnRef idx="2">
+            <a:schemeClr val="accent1">
+              <a:shade val="50000"/>
+            </a:schemeClr>
+          </a:lnRef>
+          <a:fillRef idx="1">
+            <a:schemeClr val="accent1"/>
+          </a:fillRef>
+          <a:effectRef idx="0">
+            <a:schemeClr val="accent1"/>
+          </a:effectRef>
+          <a:fontRef idx="minor">
+            <a:schemeClr val="lt1"/>
+          </a:fontRef>
+        </p:style>
+        <p:txBody>
+          <a:bodyPr rtlCol="0" anchor="ctr"/>
+          <a:lstStyle/>
+          <a:p>
+            <a:pPr algn="ctr"/>
+            <a:endParaRPr lang="zh-TW" altLang="en-US"/>
+          </a:p>
+        </p:txBody>
+      </p:sp>
+      <p:sp>
+        <p:nvSpPr>
+          <p:cNvPr id="21" name="矩形 20">
+            <a:extLst>
+              <a:ext uri="{FF2B5EF4-FFF2-40B4-BE49-F238E27FC236}">
+                <a16:creationId xmlns:a16="http://schemas.microsoft.com/office/drawing/2014/main" id="{CF524F01-9583-5B4C-FA7E-C2CC7C2B7E80}"/>
+              </a:ext>
+            </a:extLst>
+          </p:cNvPr>
+          <p:cNvSpPr/>
+          <p:nvPr/>
+        </p:nvSpPr>
+        <p:spPr>
+          <a:xfrm>
+            <a:off x="9728398" y="2285879"/>
+            <a:ext cx="1477488" cy="556092"/>
+          </a:xfrm>
+          <a:prstGeom prst="rect">
+            <a:avLst/>
+          </a:prstGeom>
+          <a:solidFill>
+            <a:srgbClr val="A83724"/>
+          </a:solidFill>
+          <a:ln>
+            <a:noFill/>
+          </a:ln>
+        </p:spPr>
+        <p:style>
+          <a:lnRef idx="2">
+            <a:schemeClr val="accent1">
+              <a:shade val="50000"/>
+            </a:schemeClr>
+          </a:lnRef>
+          <a:fillRef idx="1">
+            <a:schemeClr val="accent1"/>
+          </a:fillRef>
+          <a:effectRef idx="0">
+            <a:schemeClr val="accent1"/>
+          </a:effectRef>
+          <a:fontRef idx="minor">
+            <a:schemeClr val="lt1"/>
+          </a:fontRef>
+        </p:style>
+        <p:txBody>
+          <a:bodyPr rtlCol="0" anchor="ctr"/>
+          <a:lstStyle/>
+          <a:p>
+            <a:pPr algn="ctr"/>
+            <a:r>
+              <a:rPr lang="zh-TW" altLang="en-US" sz="1600" dirty="0">
+                <a:ln w="0"/>
+                <a:solidFill>
+                  <a:schemeClr val="bg1"/>
+                </a:solidFill>
+                <a:effectLst>
+                  <a:outerShdw blurRad="38100" dist="19050" dir="2700000" algn="tl" rotWithShape="0">
+                    <a:schemeClr val="dk1">
+                      <a:alpha val="40000"/>
+                    </a:schemeClr>
+                  </a:outerShdw>
+                </a:effectLst>
+                <a:latin typeface="源石黑體 R" panose="020B0500000000000000" pitchFamily="34" charset="-120"/>
+                <a:ea typeface="源石黑體 R" panose="020B0500000000000000" pitchFamily="34" charset="-120"/>
+              </a:rPr>
+              <a:t>計算是否在誤差之內</a:t>
+            </a:r>
+          </a:p>
+        </p:txBody>
+      </p:sp>
+      <p:cxnSp>
+        <p:nvCxnSpPr>
+          <p:cNvPr id="22" name="直線接點 21">
+            <a:extLst>
+              <a:ext uri="{FF2B5EF4-FFF2-40B4-BE49-F238E27FC236}">
+                <a16:creationId xmlns:a16="http://schemas.microsoft.com/office/drawing/2014/main" id="{F56B4A7D-6BB9-94A1-1F83-9E79232DC37F}"/>
+              </a:ext>
+            </a:extLst>
+          </p:cNvPr>
+          <p:cNvCxnSpPr>
+            <a:cxnSpLocks/>
+            <a:stCxn id="20" idx="3"/>
+            <a:endCxn id="21" idx="1"/>
+          </p:cNvCxnSpPr>
+          <p:nvPr/>
+        </p:nvCxnSpPr>
+        <p:spPr>
+          <a:xfrm flipV="1">
+            <a:off x="8674192" y="2563925"/>
+            <a:ext cx="1054206" cy="1316442"/>
+          </a:xfrm>
+          <a:prstGeom prst="line">
+            <a:avLst/>
+          </a:prstGeom>
+          <a:ln w="38100">
+            <a:solidFill>
+              <a:srgbClr val="A83724"/>
+            </a:solidFill>
+          </a:ln>
+        </p:spPr>
+        <p:style>
+          <a:lnRef idx="1">
+            <a:schemeClr val="accent1"/>
+          </a:lnRef>
+          <a:fillRef idx="0">
+            <a:schemeClr val="accent1"/>
+          </a:fillRef>
+          <a:effectRef idx="0">
+            <a:schemeClr val="accent1"/>
+          </a:effectRef>
+          <a:fontRef idx="minor">
+            <a:schemeClr val="tx1"/>
+          </a:fontRef>
+        </p:style>
+      </p:cxnSp>
+      <p:sp>
+        <p:nvSpPr>
+          <p:cNvPr id="35" name="矩形 34">
+            <a:extLst>
+              <a:ext uri="{FF2B5EF4-FFF2-40B4-BE49-F238E27FC236}">
+                <a16:creationId xmlns:a16="http://schemas.microsoft.com/office/drawing/2014/main" id="{0BD0EE1D-7830-FEA8-3370-A1E4E6D1DD7D}"/>
+              </a:ext>
+            </a:extLst>
+          </p:cNvPr>
+          <p:cNvSpPr/>
+          <p:nvPr/>
+        </p:nvSpPr>
+        <p:spPr>
+          <a:xfrm>
+            <a:off x="2922495" y="3555014"/>
+            <a:ext cx="3630706" cy="270372"/>
+          </a:xfrm>
+          <a:prstGeom prst="rect">
+            <a:avLst/>
+          </a:prstGeom>
+          <a:noFill/>
+          <a:ln w="57150">
+            <a:solidFill>
+              <a:srgbClr val="A83724"/>
+            </a:solidFill>
+          </a:ln>
+        </p:spPr>
+        <p:style>
+          <a:lnRef idx="2">
+            <a:schemeClr val="accent1">
+              <a:shade val="50000"/>
+            </a:schemeClr>
+          </a:lnRef>
+          <a:fillRef idx="1">
+            <a:schemeClr val="accent1"/>
+          </a:fillRef>
+          <a:effectRef idx="0">
+            <a:schemeClr val="accent1"/>
+          </a:effectRef>
+          <a:fontRef idx="minor">
+            <a:schemeClr val="lt1"/>
+          </a:fontRef>
+        </p:style>
+        <p:txBody>
+          <a:bodyPr rtlCol="0" anchor="ctr"/>
+          <a:lstStyle/>
+          <a:p>
+            <a:pPr algn="ctr"/>
+            <a:endParaRPr lang="zh-TW" altLang="en-US"/>
+          </a:p>
+        </p:txBody>
+      </p:sp>
+      <p:sp>
+        <p:nvSpPr>
+          <p:cNvPr id="36" name="矩形 35">
+            <a:extLst>
+              <a:ext uri="{FF2B5EF4-FFF2-40B4-BE49-F238E27FC236}">
+                <a16:creationId xmlns:a16="http://schemas.microsoft.com/office/drawing/2014/main" id="{7CEB1D0F-83FB-7053-879F-CB387B1C923D}"/>
+              </a:ext>
+            </a:extLst>
+          </p:cNvPr>
+          <p:cNvSpPr/>
+          <p:nvPr/>
+        </p:nvSpPr>
+        <p:spPr>
+          <a:xfrm>
+            <a:off x="9755288" y="3110633"/>
+            <a:ext cx="1477488" cy="556092"/>
+          </a:xfrm>
+          <a:prstGeom prst="rect">
+            <a:avLst/>
+          </a:prstGeom>
+          <a:solidFill>
+            <a:srgbClr val="A83724"/>
+          </a:solidFill>
+          <a:ln>
+            <a:noFill/>
+          </a:ln>
+        </p:spPr>
+        <p:style>
+          <a:lnRef idx="2">
+            <a:schemeClr val="accent1">
+              <a:shade val="50000"/>
+            </a:schemeClr>
+          </a:lnRef>
+          <a:fillRef idx="1">
+            <a:schemeClr val="accent1"/>
+          </a:fillRef>
+          <a:effectRef idx="0">
+            <a:schemeClr val="accent1"/>
+          </a:effectRef>
+          <a:fontRef idx="minor">
+            <a:schemeClr val="lt1"/>
+          </a:fontRef>
+        </p:style>
+        <p:txBody>
+          <a:bodyPr rtlCol="0" anchor="ctr"/>
+          <a:lstStyle/>
+          <a:p>
+            <a:pPr algn="ctr"/>
+            <a:r>
+              <a:rPr lang="zh-TW" altLang="en-US" sz="1600" dirty="0">
+                <a:ln w="0"/>
+                <a:solidFill>
+                  <a:schemeClr val="bg1"/>
+                </a:solidFill>
+                <a:effectLst>
+                  <a:outerShdw blurRad="38100" dist="19050" dir="2700000" algn="tl" rotWithShape="0">
+                    <a:schemeClr val="dk1">
+                      <a:alpha val="40000"/>
+                    </a:schemeClr>
+                  </a:outerShdw>
+                </a:effectLst>
+                <a:latin typeface="源石黑體 R" panose="020B0500000000000000" pitchFamily="34" charset="-120"/>
+                <a:ea typeface="源石黑體 R" panose="020B0500000000000000" pitchFamily="34" charset="-120"/>
+              </a:rPr>
+              <a:t>儲存正確次數</a:t>
+            </a:r>
+          </a:p>
+        </p:txBody>
+      </p:sp>
+      <p:cxnSp>
+        <p:nvCxnSpPr>
+          <p:cNvPr id="37" name="直線接點 36">
+            <a:extLst>
+              <a:ext uri="{FF2B5EF4-FFF2-40B4-BE49-F238E27FC236}">
+                <a16:creationId xmlns:a16="http://schemas.microsoft.com/office/drawing/2014/main" id="{00C73D7E-31BC-A264-5523-2E6639A7AF17}"/>
+              </a:ext>
+            </a:extLst>
+          </p:cNvPr>
+          <p:cNvCxnSpPr>
+            <a:cxnSpLocks/>
+            <a:stCxn id="35" idx="3"/>
+            <a:endCxn id="36" idx="1"/>
+          </p:cNvCxnSpPr>
+          <p:nvPr/>
+        </p:nvCxnSpPr>
+        <p:spPr>
+          <a:xfrm flipV="1">
+            <a:off x="6553201" y="3388679"/>
+            <a:ext cx="3202087" cy="301521"/>
+          </a:xfrm>
+          <a:prstGeom prst="line">
+            <a:avLst/>
+          </a:prstGeom>
+          <a:ln w="38100">
+            <a:solidFill>
+              <a:srgbClr val="A83724"/>
+            </a:solidFill>
+          </a:ln>
+        </p:spPr>
+        <p:style>
+          <a:lnRef idx="1">
+            <a:schemeClr val="accent1"/>
+          </a:lnRef>
+          <a:fillRef idx="0">
+            <a:schemeClr val="accent1"/>
+          </a:fillRef>
+          <a:effectRef idx="0">
+            <a:schemeClr val="accent1"/>
+          </a:effectRef>
+          <a:fontRef idx="minor">
+            <a:schemeClr val="tx1"/>
+          </a:fontRef>
+        </p:style>
+      </p:cxnSp>
+      <p:sp>
+        <p:nvSpPr>
+          <p:cNvPr id="42" name="矩形 41">
+            <a:extLst>
+              <a:ext uri="{FF2B5EF4-FFF2-40B4-BE49-F238E27FC236}">
+                <a16:creationId xmlns:a16="http://schemas.microsoft.com/office/drawing/2014/main" id="{8A55AB85-9236-F01F-2D95-9BF3A4D0B716}"/>
+              </a:ext>
+            </a:extLst>
+          </p:cNvPr>
+          <p:cNvSpPr/>
+          <p:nvPr/>
+        </p:nvSpPr>
+        <p:spPr>
+          <a:xfrm>
+            <a:off x="2931455" y="4209437"/>
+            <a:ext cx="3630706" cy="270372"/>
+          </a:xfrm>
+          <a:prstGeom prst="rect">
+            <a:avLst/>
+          </a:prstGeom>
+          <a:noFill/>
+          <a:ln w="57150">
+            <a:solidFill>
+              <a:srgbClr val="A83724"/>
+            </a:solidFill>
+          </a:ln>
+        </p:spPr>
+        <p:style>
+          <a:lnRef idx="2">
+            <a:schemeClr val="accent1">
+              <a:shade val="50000"/>
+            </a:schemeClr>
+          </a:lnRef>
+          <a:fillRef idx="1">
+            <a:schemeClr val="accent1"/>
+          </a:fillRef>
+          <a:effectRef idx="0">
+            <a:schemeClr val="accent1"/>
+          </a:effectRef>
+          <a:fontRef idx="minor">
+            <a:schemeClr val="lt1"/>
+          </a:fontRef>
+        </p:style>
+        <p:txBody>
+          <a:bodyPr rtlCol="0" anchor="ctr"/>
+          <a:lstStyle/>
+          <a:p>
+            <a:pPr algn="ctr"/>
+            <a:endParaRPr lang="zh-TW" altLang="en-US"/>
+          </a:p>
+        </p:txBody>
+      </p:sp>
+      <p:sp>
+        <p:nvSpPr>
+          <p:cNvPr id="43" name="矩形 42">
+            <a:extLst>
+              <a:ext uri="{FF2B5EF4-FFF2-40B4-BE49-F238E27FC236}">
+                <a16:creationId xmlns:a16="http://schemas.microsoft.com/office/drawing/2014/main" id="{5E5CA261-9786-7799-7A37-0C18182E3763}"/>
+              </a:ext>
+            </a:extLst>
+          </p:cNvPr>
+          <p:cNvSpPr/>
+          <p:nvPr/>
+        </p:nvSpPr>
+        <p:spPr>
+          <a:xfrm>
+            <a:off x="9764248" y="3765056"/>
+            <a:ext cx="1468528" cy="556092"/>
+          </a:xfrm>
+          <a:prstGeom prst="rect">
+            <a:avLst/>
+          </a:prstGeom>
+          <a:solidFill>
+            <a:srgbClr val="A83724"/>
+          </a:solidFill>
+          <a:ln>
+            <a:noFill/>
+          </a:ln>
+        </p:spPr>
+        <p:style>
+          <a:lnRef idx="2">
+            <a:schemeClr val="accent1">
+              <a:shade val="50000"/>
+            </a:schemeClr>
+          </a:lnRef>
+          <a:fillRef idx="1">
+            <a:schemeClr val="accent1"/>
+          </a:fillRef>
+          <a:effectRef idx="0">
+            <a:schemeClr val="accent1"/>
+          </a:effectRef>
+          <a:fontRef idx="minor">
+            <a:schemeClr val="lt1"/>
+          </a:fontRef>
+        </p:style>
+        <p:txBody>
+          <a:bodyPr rtlCol="0" anchor="ctr"/>
+          <a:lstStyle/>
+          <a:p>
+            <a:pPr algn="ctr"/>
+            <a:r>
+              <a:rPr lang="zh-TW" altLang="en-US" sz="1600" dirty="0">
+                <a:ln w="0"/>
+                <a:solidFill>
+                  <a:schemeClr val="bg1"/>
+                </a:solidFill>
+                <a:effectLst>
+                  <a:outerShdw blurRad="38100" dist="19050" dir="2700000" algn="tl" rotWithShape="0">
+                    <a:schemeClr val="dk1">
+                      <a:alpha val="40000"/>
+                    </a:schemeClr>
+                  </a:outerShdw>
+                </a:effectLst>
+                <a:latin typeface="源石黑體 R" panose="020B0500000000000000" pitchFamily="34" charset="-120"/>
+                <a:ea typeface="源石黑體 R" panose="020B0500000000000000" pitchFamily="34" charset="-120"/>
+              </a:rPr>
+              <a:t>儲存錯誤次數</a:t>
+            </a:r>
+          </a:p>
+        </p:txBody>
+      </p:sp>
+      <p:cxnSp>
+        <p:nvCxnSpPr>
+          <p:cNvPr id="44" name="直線接點 43">
+            <a:extLst>
+              <a:ext uri="{FF2B5EF4-FFF2-40B4-BE49-F238E27FC236}">
+                <a16:creationId xmlns:a16="http://schemas.microsoft.com/office/drawing/2014/main" id="{4F11C997-D00A-7742-1657-DF5582C8D1F1}"/>
+              </a:ext>
+            </a:extLst>
+          </p:cNvPr>
+          <p:cNvCxnSpPr>
+            <a:cxnSpLocks/>
+            <a:stCxn id="42" idx="3"/>
+            <a:endCxn id="43" idx="1"/>
+          </p:cNvCxnSpPr>
+          <p:nvPr/>
+        </p:nvCxnSpPr>
+        <p:spPr>
+          <a:xfrm flipV="1">
+            <a:off x="6562161" y="4043102"/>
+            <a:ext cx="3202087" cy="301521"/>
+          </a:xfrm>
+          <a:prstGeom prst="line">
+            <a:avLst/>
+          </a:prstGeom>
+          <a:ln w="38100">
+            <a:solidFill>
+              <a:srgbClr val="A83724"/>
+            </a:solidFill>
+          </a:ln>
+        </p:spPr>
+        <p:style>
+          <a:lnRef idx="1">
+            <a:schemeClr val="accent1"/>
+          </a:lnRef>
+          <a:fillRef idx="0">
+            <a:schemeClr val="accent1"/>
+          </a:fillRef>
+          <a:effectRef idx="0">
+            <a:schemeClr val="accent1"/>
+          </a:effectRef>
+          <a:fontRef idx="minor">
+            <a:schemeClr val="tx1"/>
+          </a:fontRef>
+        </p:style>
+      </p:cxnSp>
+    </p:spTree>
+    <p:extLst>
+      <p:ext uri="{BB962C8B-B14F-4D97-AF65-F5344CB8AC3E}">
+        <p14:creationId xmlns:p14="http://schemas.microsoft.com/office/powerpoint/2010/main" val="280207618"/>
+      </p:ext>
+    </p:extLst>
+  </p:cSld>
+  <p:clrMapOvr>
+    <a:masterClrMapping/>
+  </p:clrMapOvr>
+</p:sld>
+</file>
+
+<file path=ppt/slides/slide14.xml><?xml version="1.0" encoding="utf-8"?>
+<p:sld xmlns:a="http://schemas.openxmlformats.org/drawingml/2006/main" xmlns:r="http://schemas.openxmlformats.org/officeDocument/2006/relationships" xmlns:p="http://schemas.openxmlformats.org/presentationml/2006/main">
+  <p:cSld>
+    <p:bg>
+      <p:bgPr>
+        <a:solidFill>
+          <a:schemeClr val="bg1"/>
+        </a:solidFill>
+        <a:effectLst/>
+      </p:bgPr>
+    </p:bg>
+    <p:spTree>
+      <p:nvGrpSpPr>
+        <p:cNvPr id="1" name=""/>
+        <p:cNvGrpSpPr/>
+        <p:nvPr/>
+      </p:nvGrpSpPr>
+      <p:grpSpPr>
+        <a:xfrm>
+          <a:off x="0" y="0"/>
+          <a:ext cx="0" cy="0"/>
+          <a:chOff x="0" y="0"/>
+          <a:chExt cx="0" cy="0"/>
+        </a:xfrm>
+      </p:grpSpPr>
+      <p:sp useBgFill="1">
+        <p:nvSpPr>
+          <p:cNvPr id="10" name="Rectangle 9">
+            <a:extLst>
+              <a:ext uri="{FF2B5EF4-FFF2-40B4-BE49-F238E27FC236}">
+                <a16:creationId xmlns:a16="http://schemas.microsoft.com/office/drawing/2014/main" id="{22F15A2D-2324-487D-A02A-BF46C5C580EB}"/>
+              </a:ext>
+              <a:ext uri="{C183D7F6-B498-43B3-948B-1728B52AA6E4}">
+                <adec:decorative xmlns:adec="http://schemas.microsoft.com/office/drawing/2017/decorative" val="1"/>
+              </a:ext>
+            </a:extLst>
+          </p:cNvPr>
+          <p:cNvSpPr>
+            <a:spLocks noGrp="1" noRot="1" noChangeAspect="1" noMove="1" noResize="1" noEditPoints="1" noAdjustHandles="1" noChangeArrowheads="1" noChangeShapeType="1" noTextEdit="1"/>
+          </p:cNvSpPr>
+          <p:nvPr>
+            <p:extLst>
+              <p:ext uri="{386F3935-93C4-4BCD-93E2-E3B085C9AB24}">
+                <p16:designElem xmlns:p16="http://schemas.microsoft.com/office/powerpoint/2015/main" val="1"/>
+              </p:ext>
+            </p:extLst>
+          </p:nvPr>
+        </p:nvSpPr>
+        <p:spPr>
+          <a:xfrm>
+            <a:off x="0" y="0"/>
+            <a:ext cx="12192000" cy="6858000"/>
+          </a:xfrm>
+          <a:prstGeom prst="rect">
+            <a:avLst/>
+          </a:prstGeom>
+          <a:ln>
+            <a:noFill/>
+          </a:ln>
+        </p:spPr>
+        <p:style>
+          <a:lnRef idx="2">
+            <a:schemeClr val="accent1">
+              <a:shade val="50000"/>
+            </a:schemeClr>
+          </a:lnRef>
+          <a:fillRef idx="1">
+            <a:schemeClr val="accent1"/>
+          </a:fillRef>
+          <a:effectRef idx="0">
+            <a:schemeClr val="accent1"/>
+          </a:effectRef>
+          <a:fontRef idx="minor">
+            <a:schemeClr val="lt1"/>
+          </a:fontRef>
+        </p:style>
+        <p:txBody>
+          <a:bodyPr rtlCol="0" anchor="ctr"/>
+          <a:lstStyle/>
+          <a:p>
+            <a:pPr algn="ctr"/>
+            <a:endParaRPr lang="en-US"/>
+          </a:p>
+        </p:txBody>
+      </p:sp>
+      <p:sp>
+        <p:nvSpPr>
+          <p:cNvPr id="12" name="Right Triangle 11">
+            <a:extLst>
+              <a:ext uri="{FF2B5EF4-FFF2-40B4-BE49-F238E27FC236}">
+                <a16:creationId xmlns:a16="http://schemas.microsoft.com/office/drawing/2014/main" id="{2AEAFA59-923A-4F54-8B49-44C970BCC323}"/>
+              </a:ext>
+              <a:ext uri="{C183D7F6-B498-43B3-948B-1728B52AA6E4}">
+                <adec:decorative xmlns:adec="http://schemas.microsoft.com/office/drawing/2017/decorative" val="1"/>
+              </a:ext>
+            </a:extLst>
+          </p:cNvPr>
+          <p:cNvSpPr>
+            <a:spLocks noGrp="1" noRot="1" noChangeAspect="1" noMove="1" noResize="1" noEditPoints="1" noAdjustHandles="1" noChangeArrowheads="1" noChangeShapeType="1" noTextEdit="1"/>
+          </p:cNvSpPr>
+          <p:nvPr>
+            <p:extLst>
+              <p:ext uri="{386F3935-93C4-4BCD-93E2-E3B085C9AB24}">
+                <p16:designElem xmlns:p16="http://schemas.microsoft.com/office/powerpoint/2015/main" val="1"/>
+              </p:ext>
+            </p:extLst>
+          </p:nvPr>
+        </p:nvSpPr>
+        <p:spPr>
+          <a:xfrm flipH="1">
+            <a:off x="8576720" y="3335867"/>
+            <a:ext cx="3291840" cy="3200400"/>
+          </a:xfrm>
+          <a:prstGeom prst="rtTriangle">
+            <a:avLst/>
+          </a:prstGeom>
+          <a:solidFill>
+            <a:schemeClr val="accent4"/>
+          </a:solidFill>
+          <a:ln>
+            <a:noFill/>
+          </a:ln>
+        </p:spPr>
+        <p:style>
+          <a:lnRef idx="2">
+            <a:schemeClr val="accent1">
+              <a:shade val="50000"/>
+            </a:schemeClr>
+          </a:lnRef>
+          <a:fillRef idx="1">
+            <a:schemeClr val="accent1"/>
+          </a:fillRef>
+          <a:effectRef idx="0">
+            <a:schemeClr val="accent1"/>
+          </a:effectRef>
+          <a:fontRef idx="minor">
+            <a:schemeClr val="lt1"/>
+          </a:fontRef>
+        </p:style>
+        <p:txBody>
+          <a:bodyPr rtlCol="0" anchor="ctr"/>
+          <a:lstStyle/>
+          <a:p>
+            <a:pPr algn="ctr"/>
+            <a:endParaRPr lang="en-US" dirty="0"/>
+          </a:p>
+        </p:txBody>
+      </p:sp>
+      <p:sp>
+        <p:nvSpPr>
+          <p:cNvPr id="14" name="Rectangle 13">
+            <a:extLst>
+              <a:ext uri="{FF2B5EF4-FFF2-40B4-BE49-F238E27FC236}">
+                <a16:creationId xmlns:a16="http://schemas.microsoft.com/office/drawing/2014/main" id="{C37E9D4B-7BFA-4D10-B666-547BAC499469}"/>
+              </a:ext>
+              <a:ext uri="{C183D7F6-B498-43B3-948B-1728B52AA6E4}">
+                <adec:decorative xmlns:adec="http://schemas.microsoft.com/office/drawing/2017/decorative" val="1"/>
+              </a:ext>
+            </a:extLst>
+          </p:cNvPr>
+          <p:cNvSpPr>
+            <a:spLocks noGrp="1" noRot="1" noChangeAspect="1" noMove="1" noResize="1" noEditPoints="1" noAdjustHandles="1" noChangeArrowheads="1" noChangeShapeType="1" noTextEdit="1"/>
+          </p:cNvSpPr>
+          <p:nvPr>
+            <p:extLst>
+              <p:ext uri="{386F3935-93C4-4BCD-93E2-E3B085C9AB24}">
+                <p16:designElem xmlns:p16="http://schemas.microsoft.com/office/powerpoint/2015/main" val="1"/>
+              </p:ext>
+            </p:extLst>
+          </p:nvPr>
+        </p:nvSpPr>
+        <p:spPr>
+          <a:xfrm>
+            <a:off x="641774" y="623275"/>
+            <a:ext cx="10905053" cy="5607882"/>
+          </a:xfrm>
+          <a:prstGeom prst="rect">
+            <a:avLst/>
+          </a:prstGeom>
+          <a:noFill/>
+          <a:ln w="19050">
+            <a:solidFill>
+              <a:schemeClr val="tx1">
+                <a:lumMod val="75000"/>
+                <a:lumOff val="25000"/>
+              </a:schemeClr>
+            </a:solidFill>
+          </a:ln>
+        </p:spPr>
+        <p:style>
+          <a:lnRef idx="2">
+            <a:schemeClr val="accent1">
+              <a:shade val="50000"/>
+            </a:schemeClr>
+          </a:lnRef>
+          <a:fillRef idx="1">
+            <a:schemeClr val="accent1"/>
+          </a:fillRef>
+          <a:effectRef idx="0">
+            <a:schemeClr val="accent1"/>
+          </a:effectRef>
+          <a:fontRef idx="minor">
+            <a:schemeClr val="lt1"/>
+          </a:fontRef>
+        </p:style>
+        <p:txBody>
+          <a:bodyPr rtlCol="0" anchor="ctr"/>
+          <a:lstStyle/>
+          <a:p>
+            <a:pPr algn="ctr"/>
+            <a:endParaRPr lang="en-US"/>
+          </a:p>
+        </p:txBody>
+      </p:sp>
+      <p:pic>
+        <p:nvPicPr>
+          <p:cNvPr id="5" name="圖片 4">
+            <a:extLst>
+              <a:ext uri="{FF2B5EF4-FFF2-40B4-BE49-F238E27FC236}">
+                <a16:creationId xmlns:a16="http://schemas.microsoft.com/office/drawing/2014/main" id="{29DD1305-F7F7-6074-8618-8F31EF66D222}"/>
+              </a:ext>
+            </a:extLst>
+          </p:cNvPr>
+          <p:cNvPicPr>
+            <a:picLocks noChangeAspect="1"/>
+          </p:cNvPicPr>
+          <p:nvPr/>
+        </p:nvPicPr>
+        <p:blipFill>
+          <a:blip r:embed="rId2">
+            <a:extLst>
+              <a:ext uri="{28A0092B-C50C-407E-A947-70E740481C1C}">
+                <a14:useLocalDpi xmlns:a14="http://schemas.microsoft.com/office/drawing/2010/main" val="0"/>
+              </a:ext>
+            </a:extLst>
+          </a:blip>
+          <a:srcRect/>
+          <a:stretch/>
+        </p:blipFill>
+        <p:spPr>
+          <a:xfrm>
+            <a:off x="962163" y="941615"/>
+            <a:ext cx="7911843" cy="4967136"/>
+          </a:xfrm>
+          <a:prstGeom prst="rect">
+            <a:avLst/>
+          </a:prstGeom>
+        </p:spPr>
+      </p:pic>
+      <p:sp>
+        <p:nvSpPr>
+          <p:cNvPr id="6" name="Google Shape;150;p17">
+            <a:extLst>
+              <a:ext uri="{FF2B5EF4-FFF2-40B4-BE49-F238E27FC236}">
+                <a16:creationId xmlns:a16="http://schemas.microsoft.com/office/drawing/2014/main" id="{AD7FA91A-9116-49A1-6629-43E11BDCF3B2}"/>
+              </a:ext>
+            </a:extLst>
+          </p:cNvPr>
+          <p:cNvSpPr txBox="1">
+            <a:spLocks/>
+          </p:cNvSpPr>
+          <p:nvPr/>
+        </p:nvSpPr>
+        <p:spPr>
+          <a:xfrm>
+            <a:off x="9449124" y="841585"/>
+            <a:ext cx="1080331" cy="4035215"/>
+          </a:xfrm>
+          <a:prstGeom prst="rect">
+            <a:avLst/>
+          </a:prstGeom>
+        </p:spPr>
+        <p:txBody>
+          <a:bodyPr spcFirstLastPara="1" vert="horz" wrap="square" lIns="0" tIns="0" rIns="0" bIns="0" rtlCol="0" anchor="b" anchorCtr="0">
+            <a:noAutofit/>
+          </a:bodyPr>
+          <a:lstStyle>
+            <a:lvl1pPr algn="l" defTabSz="914400" rtl="0" eaLnBrk="1" latinLnBrk="0" hangingPunct="1">
+              <a:lnSpc>
+                <a:spcPct val="90000"/>
+              </a:lnSpc>
+              <a:spcBef>
+                <a:spcPct val="0"/>
+              </a:spcBef>
+              <a:buNone/>
+              <a:defRPr sz="4400" kern="1200">
+                <a:solidFill>
+                  <a:schemeClr val="tx1"/>
+                </a:solidFill>
+                <a:latin typeface="+mj-lt"/>
+                <a:ea typeface="+mj-ea"/>
+                <a:cs typeface="+mj-cs"/>
+              </a:defRPr>
+            </a:lvl1pPr>
+          </a:lstStyle>
+          <a:p>
+            <a:pPr>
+              <a:spcBef>
+                <a:spcPts val="0"/>
+              </a:spcBef>
+            </a:pPr>
+            <a:r>
+              <a:rPr lang="zh-TW" altLang="en-US" sz="7200" dirty="0">
+                <a:latin typeface="源石黑體 B" panose="020B0800000000000000" pitchFamily="34" charset="-120"/>
+                <a:ea typeface="源石黑體 B" panose="020B0800000000000000" pitchFamily="34" charset="-120"/>
+              </a:rPr>
+              <a:t>輸出結果</a:t>
+            </a:r>
+            <a:endParaRPr lang="en-US" sz="7200" dirty="0">
+              <a:latin typeface="源石黑體 B" panose="020B0800000000000000" pitchFamily="34" charset="-120"/>
+              <a:ea typeface="源石黑體 B" panose="020B0800000000000000" pitchFamily="34" charset="-120"/>
+            </a:endParaRPr>
+          </a:p>
+        </p:txBody>
+      </p:sp>
+    </p:spTree>
+    <p:extLst>
+      <p:ext uri="{BB962C8B-B14F-4D97-AF65-F5344CB8AC3E}">
+        <p14:creationId xmlns:p14="http://schemas.microsoft.com/office/powerpoint/2010/main" val="3846048506"/>
+      </p:ext>
+    </p:extLst>
+  </p:cSld>
+  <p:clrMapOvr>
+    <a:masterClrMapping/>
+  </p:clrMapOvr>
+</p:sld>
+</file>
+
+<file path=ppt/slides/slide15.xml><?xml version="1.0" encoding="utf-8"?>
+<p:sld xmlns:a="http://schemas.openxmlformats.org/drawingml/2006/main" xmlns:r="http://schemas.openxmlformats.org/officeDocument/2006/relationships" xmlns:p="http://schemas.openxmlformats.org/presentationml/2006/main">
+  <p:cSld>
+    <p:bg>
+      <p:bgPr>
+        <a:solidFill>
+          <a:schemeClr val="bg1"/>
+        </a:solidFill>
+        <a:effectLst/>
+      </p:bgPr>
+    </p:bg>
+    <p:spTree>
+      <p:nvGrpSpPr>
+        <p:cNvPr id="1" name=""/>
+        <p:cNvGrpSpPr/>
+        <p:nvPr/>
+      </p:nvGrpSpPr>
+      <p:grpSpPr>
+        <a:xfrm>
+          <a:off x="0" y="0"/>
+          <a:ext cx="0" cy="0"/>
+          <a:chOff x="0" y="0"/>
+          <a:chExt cx="0" cy="0"/>
+        </a:xfrm>
+      </p:grpSpPr>
+      <p:sp useBgFill="1">
+        <p:nvSpPr>
+          <p:cNvPr id="10" name="Rectangle 9">
+            <a:extLst>
+              <a:ext uri="{FF2B5EF4-FFF2-40B4-BE49-F238E27FC236}">
+                <a16:creationId xmlns:a16="http://schemas.microsoft.com/office/drawing/2014/main" id="{22F15A2D-2324-487D-A02A-BF46C5C580EB}"/>
+              </a:ext>
+              <a:ext uri="{C183D7F6-B498-43B3-948B-1728B52AA6E4}">
+                <adec:decorative xmlns:adec="http://schemas.microsoft.com/office/drawing/2017/decorative" val="1"/>
+              </a:ext>
+            </a:extLst>
+          </p:cNvPr>
+          <p:cNvSpPr>
+            <a:spLocks noGrp="1" noRot="1" noChangeAspect="1" noMove="1" noResize="1" noEditPoints="1" noAdjustHandles="1" noChangeArrowheads="1" noChangeShapeType="1" noTextEdit="1"/>
+          </p:cNvSpPr>
+          <p:nvPr>
+            <p:extLst>
+              <p:ext uri="{386F3935-93C4-4BCD-93E2-E3B085C9AB24}">
+                <p16:designElem xmlns:p16="http://schemas.microsoft.com/office/powerpoint/2015/main" val="1"/>
+              </p:ext>
+            </p:extLst>
+          </p:nvPr>
+        </p:nvSpPr>
+        <p:spPr>
+          <a:xfrm>
+            <a:off x="0" y="0"/>
+            <a:ext cx="12192000" cy="6858000"/>
+          </a:xfrm>
+          <a:prstGeom prst="rect">
+            <a:avLst/>
+          </a:prstGeom>
+          <a:ln>
+            <a:noFill/>
+          </a:ln>
+        </p:spPr>
+        <p:style>
+          <a:lnRef idx="2">
+            <a:schemeClr val="accent1">
+              <a:shade val="50000"/>
+            </a:schemeClr>
+          </a:lnRef>
+          <a:fillRef idx="1">
+            <a:schemeClr val="accent1"/>
+          </a:fillRef>
+          <a:effectRef idx="0">
+            <a:schemeClr val="accent1"/>
+          </a:effectRef>
+          <a:fontRef idx="minor">
+            <a:schemeClr val="lt1"/>
+          </a:fontRef>
+        </p:style>
+        <p:txBody>
+          <a:bodyPr rtlCol="0" anchor="ctr"/>
+          <a:lstStyle/>
+          <a:p>
+            <a:pPr algn="ctr"/>
+            <a:endParaRPr lang="en-US"/>
+          </a:p>
+        </p:txBody>
+      </p:sp>
+      <p:sp>
+        <p:nvSpPr>
+          <p:cNvPr id="12" name="Right Triangle 11">
+            <a:extLst>
+              <a:ext uri="{FF2B5EF4-FFF2-40B4-BE49-F238E27FC236}">
+                <a16:creationId xmlns:a16="http://schemas.microsoft.com/office/drawing/2014/main" id="{2AEAFA59-923A-4F54-8B49-44C970BCC323}"/>
+              </a:ext>
+              <a:ext uri="{C183D7F6-B498-43B3-948B-1728B52AA6E4}">
+                <adec:decorative xmlns:adec="http://schemas.microsoft.com/office/drawing/2017/decorative" val="1"/>
+              </a:ext>
+            </a:extLst>
+          </p:cNvPr>
+          <p:cNvSpPr>
+            <a:spLocks noGrp="1" noRot="1" noChangeAspect="1" noMove="1" noResize="1" noEditPoints="1" noAdjustHandles="1" noChangeArrowheads="1" noChangeShapeType="1" noTextEdit="1"/>
+          </p:cNvSpPr>
+          <p:nvPr>
+            <p:extLst>
+              <p:ext uri="{386F3935-93C4-4BCD-93E2-E3B085C9AB24}">
+                <p16:designElem xmlns:p16="http://schemas.microsoft.com/office/powerpoint/2015/main" val="1"/>
+              </p:ext>
+            </p:extLst>
+          </p:nvPr>
+        </p:nvSpPr>
+        <p:spPr>
+          <a:xfrm flipH="1">
+            <a:off x="8576720" y="3335867"/>
+            <a:ext cx="3291840" cy="3200400"/>
+          </a:xfrm>
+          <a:prstGeom prst="rtTriangle">
+            <a:avLst/>
+          </a:prstGeom>
+          <a:solidFill>
+            <a:schemeClr val="accent4"/>
+          </a:solidFill>
+          <a:ln>
+            <a:noFill/>
+          </a:ln>
+        </p:spPr>
+        <p:style>
+          <a:lnRef idx="2">
+            <a:schemeClr val="accent1">
+              <a:shade val="50000"/>
+            </a:schemeClr>
+          </a:lnRef>
+          <a:fillRef idx="1">
+            <a:schemeClr val="accent1"/>
+          </a:fillRef>
+          <a:effectRef idx="0">
+            <a:schemeClr val="accent1"/>
+          </a:effectRef>
+          <a:fontRef idx="minor">
+            <a:schemeClr val="lt1"/>
+          </a:fontRef>
+        </p:style>
+        <p:txBody>
+          <a:bodyPr rtlCol="0" anchor="ctr"/>
+          <a:lstStyle/>
+          <a:p>
+            <a:pPr algn="ctr"/>
+            <a:endParaRPr lang="en-US" dirty="0"/>
+          </a:p>
+        </p:txBody>
+      </p:sp>
+      <p:sp>
+        <p:nvSpPr>
+          <p:cNvPr id="14" name="Rectangle 13">
+            <a:extLst>
+              <a:ext uri="{FF2B5EF4-FFF2-40B4-BE49-F238E27FC236}">
+                <a16:creationId xmlns:a16="http://schemas.microsoft.com/office/drawing/2014/main" id="{C37E9D4B-7BFA-4D10-B666-547BAC499469}"/>
+              </a:ext>
+              <a:ext uri="{C183D7F6-B498-43B3-948B-1728B52AA6E4}">
+                <adec:decorative xmlns:adec="http://schemas.microsoft.com/office/drawing/2017/decorative" val="1"/>
+              </a:ext>
+            </a:extLst>
+          </p:cNvPr>
+          <p:cNvSpPr>
+            <a:spLocks noGrp="1" noRot="1" noChangeAspect="1" noMove="1" noResize="1" noEditPoints="1" noAdjustHandles="1" noChangeArrowheads="1" noChangeShapeType="1" noTextEdit="1"/>
+          </p:cNvSpPr>
+          <p:nvPr>
+            <p:extLst>
+              <p:ext uri="{386F3935-93C4-4BCD-93E2-E3B085C9AB24}">
+                <p16:designElem xmlns:p16="http://schemas.microsoft.com/office/powerpoint/2015/main" val="1"/>
+              </p:ext>
+            </p:extLst>
+          </p:nvPr>
+        </p:nvSpPr>
+        <p:spPr>
+          <a:xfrm>
+            <a:off x="641774" y="623275"/>
+            <a:ext cx="10905053" cy="5607882"/>
+          </a:xfrm>
+          <a:prstGeom prst="rect">
+            <a:avLst/>
+          </a:prstGeom>
+          <a:noFill/>
+          <a:ln w="19050">
+            <a:solidFill>
+              <a:schemeClr val="tx1">
+                <a:lumMod val="75000"/>
+                <a:lumOff val="25000"/>
+              </a:schemeClr>
+            </a:solidFill>
+          </a:ln>
+        </p:spPr>
+        <p:style>
+          <a:lnRef idx="2">
+            <a:schemeClr val="accent1">
+              <a:shade val="50000"/>
+            </a:schemeClr>
+          </a:lnRef>
+          <a:fillRef idx="1">
+            <a:schemeClr val="accent1"/>
+          </a:fillRef>
+          <a:effectRef idx="0">
+            <a:schemeClr val="accent1"/>
+          </a:effectRef>
+          <a:fontRef idx="minor">
+            <a:schemeClr val="lt1"/>
+          </a:fontRef>
+        </p:style>
+        <p:txBody>
+          <a:bodyPr rtlCol="0" anchor="ctr"/>
+          <a:lstStyle/>
+          <a:p>
+            <a:pPr algn="ctr"/>
+            <a:endParaRPr lang="en-US"/>
+          </a:p>
+        </p:txBody>
+      </p:sp>
+      <p:pic>
+        <p:nvPicPr>
+          <p:cNvPr id="3" name="圖片 2">
+            <a:extLst>
+              <a:ext uri="{FF2B5EF4-FFF2-40B4-BE49-F238E27FC236}">
+                <a16:creationId xmlns:a16="http://schemas.microsoft.com/office/drawing/2014/main" id="{B35D2605-A12A-B722-6987-1C13D744E373}"/>
+              </a:ext>
+            </a:extLst>
+          </p:cNvPr>
+          <p:cNvPicPr>
+            <a:picLocks noChangeAspect="1"/>
+          </p:cNvPicPr>
+          <p:nvPr/>
+        </p:nvPicPr>
+        <p:blipFill>
+          <a:blip r:embed="rId2"/>
+          <a:stretch>
+            <a:fillRect/>
+          </a:stretch>
+        </p:blipFill>
+        <p:spPr>
+          <a:xfrm>
+            <a:off x="1410634" y="1026979"/>
+            <a:ext cx="5429437" cy="4800474"/>
+          </a:xfrm>
+          <a:prstGeom prst="rect">
+            <a:avLst/>
+          </a:prstGeom>
+        </p:spPr>
+      </p:pic>
+      <p:sp>
+        <p:nvSpPr>
+          <p:cNvPr id="4" name="Google Shape;150;p17">
+            <a:extLst>
+              <a:ext uri="{FF2B5EF4-FFF2-40B4-BE49-F238E27FC236}">
+                <a16:creationId xmlns:a16="http://schemas.microsoft.com/office/drawing/2014/main" id="{0B6F7D57-2DC9-9D42-2D64-B893484CD0F5}"/>
+              </a:ext>
+            </a:extLst>
+          </p:cNvPr>
+          <p:cNvSpPr txBox="1">
+            <a:spLocks/>
+          </p:cNvSpPr>
+          <p:nvPr/>
+        </p:nvSpPr>
+        <p:spPr>
+          <a:xfrm>
+            <a:off x="5682993" y="1174565"/>
+            <a:ext cx="5863834" cy="3478306"/>
+          </a:xfrm>
+          <a:prstGeom prst="rect">
+            <a:avLst/>
+          </a:prstGeom>
+        </p:spPr>
+        <p:txBody>
+          <a:bodyPr spcFirstLastPara="1" vert="horz" wrap="square" lIns="0" tIns="0" rIns="0" bIns="0" rtlCol="0" anchor="b" anchorCtr="0">
+            <a:noAutofit/>
+          </a:bodyPr>
+          <a:lstStyle>
+            <a:lvl1pPr algn="l" defTabSz="914400" rtl="0" eaLnBrk="1" latinLnBrk="0" hangingPunct="1">
+              <a:lnSpc>
+                <a:spcPct val="90000"/>
+              </a:lnSpc>
+              <a:spcBef>
+                <a:spcPct val="0"/>
+              </a:spcBef>
+              <a:buNone/>
+              <a:defRPr sz="4400" kern="1200">
+                <a:solidFill>
+                  <a:schemeClr val="tx1"/>
+                </a:solidFill>
+                <a:latin typeface="+mj-lt"/>
+                <a:ea typeface="+mj-ea"/>
+                <a:cs typeface="+mj-cs"/>
+              </a:defRPr>
+            </a:lvl1pPr>
+          </a:lstStyle>
+          <a:p>
+            <a:pPr>
+              <a:spcBef>
+                <a:spcPts val="0"/>
+              </a:spcBef>
+            </a:pPr>
+            <a:r>
+              <a:rPr lang="zh-TW" altLang="en-US" sz="7200" dirty="0">
+                <a:latin typeface="源石黑體 B" panose="020B0800000000000000" pitchFamily="34" charset="-120"/>
+                <a:ea typeface="源石黑體 B" panose="020B0800000000000000" pitchFamily="34" charset="-120"/>
+              </a:rPr>
+              <a:t>測試</a:t>
+            </a:r>
+            <a:r>
+              <a:rPr lang="en-US" altLang="zh-TW" sz="7200" dirty="0">
+                <a:latin typeface="源石黑體 B" panose="020B0800000000000000" pitchFamily="34" charset="-120"/>
+                <a:ea typeface="源石黑體 B" panose="020B0800000000000000" pitchFamily="34" charset="-120"/>
+              </a:rPr>
+              <a:t>200</a:t>
+            </a:r>
+            <a:r>
+              <a:rPr lang="zh-TW" altLang="en-US" sz="7200" dirty="0">
+                <a:latin typeface="源石黑體 B" panose="020B0800000000000000" pitchFamily="34" charset="-120"/>
+                <a:ea typeface="源石黑體 B" panose="020B0800000000000000" pitchFamily="34" charset="-120"/>
+              </a:rPr>
+              <a:t>筆</a:t>
+            </a:r>
+            <a:endParaRPr lang="en-US" altLang="zh-TW" sz="7200" dirty="0">
+              <a:latin typeface="源石黑體 B" panose="020B0800000000000000" pitchFamily="34" charset="-120"/>
+              <a:ea typeface="源石黑體 B" panose="020B0800000000000000" pitchFamily="34" charset="-120"/>
+            </a:endParaRPr>
+          </a:p>
+          <a:p>
+            <a:pPr>
+              <a:spcBef>
+                <a:spcPts val="0"/>
+              </a:spcBef>
+            </a:pPr>
+            <a:r>
+              <a:rPr lang="zh-TW" altLang="en-US" sz="7200" dirty="0">
+                <a:latin typeface="源石黑體 B" panose="020B0800000000000000" pitchFamily="34" charset="-120"/>
+                <a:ea typeface="源石黑體 B" panose="020B0800000000000000" pitchFamily="34" charset="-120"/>
+              </a:rPr>
+              <a:t>結果</a:t>
+            </a:r>
+            <a:r>
+              <a:rPr lang="en-US" altLang="zh-TW" sz="7200" dirty="0">
+                <a:latin typeface="源石黑體 B" panose="020B0800000000000000" pitchFamily="34" charset="-120"/>
+                <a:ea typeface="源石黑體 B" panose="020B0800000000000000" pitchFamily="34" charset="-120"/>
+              </a:rPr>
+              <a:t>ALL PASS</a:t>
+            </a:r>
+          </a:p>
+          <a:p>
+            <a:pPr>
+              <a:spcBef>
+                <a:spcPts val="0"/>
+              </a:spcBef>
+            </a:pPr>
+            <a:r>
+              <a:rPr lang="en-US" sz="7200" dirty="0">
+                <a:latin typeface="源石黑體 B" panose="020B0800000000000000" pitchFamily="34" charset="-120"/>
+                <a:ea typeface="源石黑體 B" panose="020B0800000000000000" pitchFamily="34" charset="-120"/>
+              </a:rPr>
+              <a:t>\</a:t>
+            </a:r>
+            <a:r>
+              <a:rPr lang="en-US" sz="7200" dirty="0" err="1">
+                <a:latin typeface="源石黑體 B" panose="020B0800000000000000" pitchFamily="34" charset="-120"/>
+                <a:ea typeface="源石黑體 B" panose="020B0800000000000000" pitchFamily="34" charset="-120"/>
+              </a:rPr>
+              <a:t>ovo</a:t>
+            </a:r>
+            <a:r>
+              <a:rPr lang="en-US" sz="7200" dirty="0">
+                <a:latin typeface="源石黑體 B" panose="020B0800000000000000" pitchFamily="34" charset="-120"/>
+                <a:ea typeface="源石黑體 B" panose="020B0800000000000000" pitchFamily="34" charset="-120"/>
+              </a:rPr>
+              <a:t>/ XD</a:t>
+            </a:r>
+          </a:p>
+        </p:txBody>
+      </p:sp>
+    </p:spTree>
+    <p:extLst>
+      <p:ext uri="{BB962C8B-B14F-4D97-AF65-F5344CB8AC3E}">
+        <p14:creationId xmlns:p14="http://schemas.microsoft.com/office/powerpoint/2010/main" val="1542148852"/>
+      </p:ext>
+    </p:extLst>
+  </p:cSld>
+  <p:clrMapOvr>
+    <a:masterClrMapping/>
+  </p:clrMapOvr>
+</p:sld>
+</file>
+
+<file path=ppt/slides/slide16.xml><?xml version="1.0" encoding="utf-8"?>
+<p:sld xmlns:a="http://schemas.openxmlformats.org/drawingml/2006/main" xmlns:r="http://schemas.openxmlformats.org/officeDocument/2006/relationships" xmlns:p="http://schemas.openxmlformats.org/presentationml/2006/main">
+  <p:cSld>
+    <p:bg>
+      <p:bgPr>
+        <a:solidFill>
+          <a:schemeClr val="bg1"/>
+        </a:solidFill>
+        <a:effectLst/>
+      </p:bgPr>
+    </p:bg>
+    <p:spTree>
+      <p:nvGrpSpPr>
+        <p:cNvPr id="1" name=""/>
+        <p:cNvGrpSpPr/>
+        <p:nvPr/>
+      </p:nvGrpSpPr>
+      <p:grpSpPr>
+        <a:xfrm>
+          <a:off x="0" y="0"/>
+          <a:ext cx="0" cy="0"/>
+          <a:chOff x="0" y="0"/>
+          <a:chExt cx="0" cy="0"/>
+        </a:xfrm>
+      </p:grpSpPr>
+      <p:sp useBgFill="1">
+        <p:nvSpPr>
+          <p:cNvPr id="10" name="Rectangle 9">
+            <a:extLst>
+              <a:ext uri="{FF2B5EF4-FFF2-40B4-BE49-F238E27FC236}">
+                <a16:creationId xmlns:a16="http://schemas.microsoft.com/office/drawing/2014/main" id="{22F15A2D-2324-487D-A02A-BF46C5C580EB}"/>
+              </a:ext>
+              <a:ext uri="{C183D7F6-B498-43B3-948B-1728B52AA6E4}">
+                <adec:decorative xmlns:adec="http://schemas.microsoft.com/office/drawing/2017/decorative" val="1"/>
+              </a:ext>
+            </a:extLst>
+          </p:cNvPr>
+          <p:cNvSpPr>
+            <a:spLocks noGrp="1" noRot="1" noChangeAspect="1" noMove="1" noResize="1" noEditPoints="1" noAdjustHandles="1" noChangeArrowheads="1" noChangeShapeType="1" noTextEdit="1"/>
+          </p:cNvSpPr>
+          <p:nvPr>
+            <p:extLst>
+              <p:ext uri="{386F3935-93C4-4BCD-93E2-E3B085C9AB24}">
+                <p16:designElem xmlns:p16="http://schemas.microsoft.com/office/powerpoint/2015/main" val="1"/>
+              </p:ext>
+            </p:extLst>
+          </p:nvPr>
+        </p:nvSpPr>
+        <p:spPr>
+          <a:xfrm>
+            <a:off x="0" y="0"/>
+            <a:ext cx="12192000" cy="6858000"/>
+          </a:xfrm>
+          <a:prstGeom prst="rect">
+            <a:avLst/>
+          </a:prstGeom>
+          <a:ln>
+            <a:noFill/>
+          </a:ln>
+        </p:spPr>
+        <p:style>
+          <a:lnRef idx="2">
+            <a:schemeClr val="accent1">
+              <a:shade val="50000"/>
+            </a:schemeClr>
+          </a:lnRef>
+          <a:fillRef idx="1">
+            <a:schemeClr val="accent1"/>
+          </a:fillRef>
+          <a:effectRef idx="0">
+            <a:schemeClr val="accent1"/>
+          </a:effectRef>
+          <a:fontRef idx="minor">
+            <a:schemeClr val="lt1"/>
+          </a:fontRef>
+        </p:style>
+        <p:txBody>
+          <a:bodyPr rtlCol="0" anchor="ctr"/>
+          <a:lstStyle/>
+          <a:p>
+            <a:pPr algn="ctr"/>
+            <a:endParaRPr lang="en-US"/>
+          </a:p>
+        </p:txBody>
+      </p:sp>
+      <p:sp>
+        <p:nvSpPr>
+          <p:cNvPr id="12" name="Right Triangle 11">
+            <a:extLst>
+              <a:ext uri="{FF2B5EF4-FFF2-40B4-BE49-F238E27FC236}">
+                <a16:creationId xmlns:a16="http://schemas.microsoft.com/office/drawing/2014/main" id="{2AEAFA59-923A-4F54-8B49-44C970BCC323}"/>
+              </a:ext>
+              <a:ext uri="{C183D7F6-B498-43B3-948B-1728B52AA6E4}">
+                <adec:decorative xmlns:adec="http://schemas.microsoft.com/office/drawing/2017/decorative" val="1"/>
+              </a:ext>
+            </a:extLst>
+          </p:cNvPr>
+          <p:cNvSpPr>
+            <a:spLocks noGrp="1" noRot="1" noChangeAspect="1" noMove="1" noResize="1" noEditPoints="1" noAdjustHandles="1" noChangeArrowheads="1" noChangeShapeType="1" noTextEdit="1"/>
+          </p:cNvSpPr>
+          <p:nvPr>
+            <p:extLst>
+              <p:ext uri="{386F3935-93C4-4BCD-93E2-E3B085C9AB24}">
+                <p16:designElem xmlns:p16="http://schemas.microsoft.com/office/powerpoint/2015/main" val="1"/>
+              </p:ext>
+            </p:extLst>
+          </p:nvPr>
+        </p:nvSpPr>
+        <p:spPr>
+          <a:xfrm flipH="1">
+            <a:off x="8576720" y="3335867"/>
+            <a:ext cx="3291840" cy="3200400"/>
+          </a:xfrm>
+          <a:prstGeom prst="rtTriangle">
+            <a:avLst/>
+          </a:prstGeom>
+          <a:solidFill>
+            <a:schemeClr val="accent4"/>
+          </a:solidFill>
+          <a:ln>
+            <a:noFill/>
+          </a:ln>
+        </p:spPr>
+        <p:style>
+          <a:lnRef idx="2">
+            <a:schemeClr val="accent1">
+              <a:shade val="50000"/>
+            </a:schemeClr>
+          </a:lnRef>
+          <a:fillRef idx="1">
+            <a:schemeClr val="accent1"/>
+          </a:fillRef>
+          <a:effectRef idx="0">
+            <a:schemeClr val="accent1"/>
+          </a:effectRef>
+          <a:fontRef idx="minor">
+            <a:schemeClr val="lt1"/>
+          </a:fontRef>
+        </p:style>
+        <p:txBody>
+          <a:bodyPr rtlCol="0" anchor="ctr"/>
+          <a:lstStyle/>
+          <a:p>
+            <a:pPr algn="ctr"/>
+            <a:endParaRPr lang="en-US" dirty="0"/>
+          </a:p>
+        </p:txBody>
+      </p:sp>
+      <p:sp>
+        <p:nvSpPr>
+          <p:cNvPr id="14" name="Rectangle 13">
+            <a:extLst>
+              <a:ext uri="{FF2B5EF4-FFF2-40B4-BE49-F238E27FC236}">
+                <a16:creationId xmlns:a16="http://schemas.microsoft.com/office/drawing/2014/main" id="{C37E9D4B-7BFA-4D10-B666-547BAC499469}"/>
+              </a:ext>
+              <a:ext uri="{C183D7F6-B498-43B3-948B-1728B52AA6E4}">
+                <adec:decorative xmlns:adec="http://schemas.microsoft.com/office/drawing/2017/decorative" val="1"/>
+              </a:ext>
+            </a:extLst>
+          </p:cNvPr>
+          <p:cNvSpPr>
+            <a:spLocks noGrp="1" noRot="1" noChangeAspect="1" noMove="1" noResize="1" noEditPoints="1" noAdjustHandles="1" noChangeArrowheads="1" noChangeShapeType="1" noTextEdit="1"/>
+          </p:cNvSpPr>
+          <p:nvPr>
+            <p:extLst>
+              <p:ext uri="{386F3935-93C4-4BCD-93E2-E3B085C9AB24}">
+                <p16:designElem xmlns:p16="http://schemas.microsoft.com/office/powerpoint/2015/main" val="1"/>
+              </p:ext>
+            </p:extLst>
+          </p:nvPr>
+        </p:nvSpPr>
+        <p:spPr>
+          <a:xfrm>
+            <a:off x="641774" y="623275"/>
+            <a:ext cx="10905053" cy="5607882"/>
+          </a:xfrm>
+          <a:prstGeom prst="rect">
+            <a:avLst/>
+          </a:prstGeom>
+          <a:noFill/>
+          <a:ln w="19050">
+            <a:solidFill>
+              <a:schemeClr val="tx1">
+                <a:lumMod val="75000"/>
+                <a:lumOff val="25000"/>
+              </a:schemeClr>
+            </a:solidFill>
+          </a:ln>
+        </p:spPr>
+        <p:style>
+          <a:lnRef idx="2">
+            <a:schemeClr val="accent1">
+              <a:shade val="50000"/>
+            </a:schemeClr>
+          </a:lnRef>
+          <a:fillRef idx="1">
+            <a:schemeClr val="accent1"/>
+          </a:fillRef>
+          <a:effectRef idx="0">
+            <a:schemeClr val="accent1"/>
+          </a:effectRef>
+          <a:fontRef idx="minor">
+            <a:schemeClr val="lt1"/>
+          </a:fontRef>
+        </p:style>
+        <p:txBody>
+          <a:bodyPr rtlCol="0" anchor="ctr"/>
+          <a:lstStyle/>
+          <a:p>
+            <a:pPr algn="ctr"/>
+            <a:endParaRPr lang="en-US"/>
+          </a:p>
+        </p:txBody>
+      </p:sp>
+      <p:pic>
+        <p:nvPicPr>
+          <p:cNvPr id="3" name="圖片 2">
+            <a:extLst>
+              <a:ext uri="{FF2B5EF4-FFF2-40B4-BE49-F238E27FC236}">
+                <a16:creationId xmlns:a16="http://schemas.microsoft.com/office/drawing/2014/main" id="{C466049A-465B-5E4B-3803-F03C1F2AF8CB}"/>
+              </a:ext>
+            </a:extLst>
+          </p:cNvPr>
+          <p:cNvPicPr>
+            <a:picLocks noChangeAspect="1"/>
+          </p:cNvPicPr>
+          <p:nvPr/>
+        </p:nvPicPr>
+        <p:blipFill>
+          <a:blip r:embed="rId2"/>
+          <a:stretch>
+            <a:fillRect/>
+          </a:stretch>
+        </p:blipFill>
+        <p:spPr>
+          <a:xfrm>
+            <a:off x="254011" y="1613488"/>
+            <a:ext cx="11422069" cy="2305372"/>
+          </a:xfrm>
+          <a:prstGeom prst="rect">
+            <a:avLst/>
+          </a:prstGeom>
+        </p:spPr>
+      </p:pic>
+      <p:sp>
+        <p:nvSpPr>
+          <p:cNvPr id="4" name="Google Shape;150;p17">
+            <a:extLst>
+              <a:ext uri="{FF2B5EF4-FFF2-40B4-BE49-F238E27FC236}">
+                <a16:creationId xmlns:a16="http://schemas.microsoft.com/office/drawing/2014/main" id="{1B518B09-2BE9-9D7D-CC99-338957D09A2B}"/>
+              </a:ext>
+            </a:extLst>
+          </p:cNvPr>
+          <p:cNvSpPr txBox="1">
+            <a:spLocks/>
+          </p:cNvSpPr>
+          <p:nvPr/>
+        </p:nvSpPr>
+        <p:spPr>
+          <a:xfrm>
+            <a:off x="1304476" y="3941405"/>
+            <a:ext cx="10403217" cy="1201459"/>
+          </a:xfrm>
+          <a:prstGeom prst="rect">
+            <a:avLst/>
+          </a:prstGeom>
+        </p:spPr>
+        <p:txBody>
+          <a:bodyPr spcFirstLastPara="1" vert="horz" wrap="square" lIns="0" tIns="0" rIns="0" bIns="0" rtlCol="0" anchor="b" anchorCtr="0">
+            <a:noAutofit/>
+          </a:bodyPr>
+          <a:lstStyle>
+            <a:lvl1pPr algn="l" defTabSz="914400" rtl="0" eaLnBrk="1" latinLnBrk="0" hangingPunct="1">
+              <a:lnSpc>
+                <a:spcPct val="90000"/>
+              </a:lnSpc>
+              <a:spcBef>
+                <a:spcPct val="0"/>
+              </a:spcBef>
+              <a:buNone/>
+              <a:defRPr sz="4400" kern="1200">
+                <a:solidFill>
+                  <a:schemeClr val="tx1"/>
+                </a:solidFill>
+                <a:latin typeface="+mj-lt"/>
+                <a:ea typeface="+mj-ea"/>
+                <a:cs typeface="+mj-cs"/>
+              </a:defRPr>
+            </a:lvl1pPr>
+          </a:lstStyle>
+          <a:p>
+            <a:pPr>
+              <a:spcBef>
+                <a:spcPts val="0"/>
+              </a:spcBef>
+            </a:pPr>
+            <a:r>
+              <a:rPr lang="zh-TW" altLang="en-US" sz="7200" dirty="0">
+                <a:latin typeface="源石黑體 B" panose="020B0800000000000000" pitchFamily="34" charset="-120"/>
+                <a:ea typeface="源石黑體 B" panose="020B0800000000000000" pitchFamily="34" charset="-120"/>
+              </a:rPr>
+              <a:t>輸出結果誤差在</a:t>
+            </a:r>
+            <a:r>
+              <a:rPr lang="en-US" altLang="zh-TW" sz="7200" dirty="0">
+                <a:latin typeface="源石黑體 B" panose="020B0800000000000000" pitchFamily="34" charset="-120"/>
+                <a:ea typeface="源石黑體 B" panose="020B0800000000000000" pitchFamily="34" charset="-120"/>
+              </a:rPr>
+              <a:t>+-10</a:t>
+            </a:r>
+            <a:r>
+              <a:rPr lang="zh-TW" altLang="en-US" sz="7200" dirty="0">
+                <a:latin typeface="源石黑體 B" panose="020B0800000000000000" pitchFamily="34" charset="-120"/>
+                <a:ea typeface="源石黑體 B" panose="020B0800000000000000" pitchFamily="34" charset="-120"/>
+              </a:rPr>
+              <a:t>內</a:t>
+            </a:r>
+            <a:endParaRPr lang="en-US" sz="7200" dirty="0">
+              <a:latin typeface="源石黑體 B" panose="020B0800000000000000" pitchFamily="34" charset="-120"/>
+              <a:ea typeface="源石黑體 B" panose="020B0800000000000000" pitchFamily="34" charset="-120"/>
+            </a:endParaRPr>
+          </a:p>
+        </p:txBody>
+      </p:sp>
+    </p:spTree>
+    <p:extLst>
+      <p:ext uri="{BB962C8B-B14F-4D97-AF65-F5344CB8AC3E}">
+        <p14:creationId xmlns:p14="http://schemas.microsoft.com/office/powerpoint/2010/main" val="1063508621"/>
+      </p:ext>
+    </p:extLst>
+  </p:cSld>
+  <p:clrMapOvr>
+    <a:masterClrMapping/>
+  </p:clrMapOvr>
 </p:sld>
 </file>
 
@@ -8589,36 +11966,6 @@
           </a:p>
         </p:txBody>
       </p:sp>
-      <p:pic>
-        <p:nvPicPr>
-          <p:cNvPr id="5" name="圖片 4" descr="一張含有 文字 的圖片&#10;&#10;自動產生的描述">
-            <a:extLst>
-              <a:ext uri="{FF2B5EF4-FFF2-40B4-BE49-F238E27FC236}">
-                <a16:creationId xmlns:a16="http://schemas.microsoft.com/office/drawing/2014/main" id="{29DD1305-F7F7-6074-8618-8F31EF66D222}"/>
-              </a:ext>
-            </a:extLst>
-          </p:cNvPr>
-          <p:cNvPicPr>
-            <a:picLocks noChangeAspect="1"/>
-          </p:cNvPicPr>
-          <p:nvPr/>
-        </p:nvPicPr>
-        <p:blipFill>
-          <a:blip r:embed="rId2"/>
-          <a:stretch>
-            <a:fillRect/>
-          </a:stretch>
-        </p:blipFill>
-        <p:spPr>
-          <a:xfrm>
-            <a:off x="962163" y="941615"/>
-            <a:ext cx="7746709" cy="3447286"/>
-          </a:xfrm>
-          <a:prstGeom prst="rect">
-            <a:avLst/>
-          </a:prstGeom>
-        </p:spPr>
-      </p:pic>
       <p:sp>
         <p:nvSpPr>
           <p:cNvPr id="6" name="Google Shape;150;p17">
@@ -8635,8 +11982,8 @@
         </p:nvSpPr>
         <p:spPr>
           <a:xfrm>
-            <a:off x="962163" y="4770765"/>
-            <a:ext cx="8158574" cy="1137986"/>
+            <a:off x="641774" y="4753211"/>
+            <a:ext cx="10641106" cy="1137986"/>
           </a:xfrm>
           <a:prstGeom prst="rect">
             <a:avLst/>
@@ -8676,7 +12023,42 @@
                 <a:latin typeface="源石黑體 B" panose="020B0800000000000000" pitchFamily="34" charset="-120"/>
                 <a:ea typeface="源石黑體 B" panose="020B0800000000000000" pitchFamily="34" charset="-120"/>
               </a:rPr>
-              <a:t>讀測試檔案</a:t>
+              <a:t>輸入資料</a:t>
+            </a:r>
+            <a:r>
+              <a:rPr lang="en-US" altLang="zh-TW" sz="7200" dirty="0">
+                <a:latin typeface="源石黑體 B" panose="020B0800000000000000" pitchFamily="34" charset="-120"/>
+                <a:ea typeface="源石黑體 B" panose="020B0800000000000000" pitchFamily="34" charset="-120"/>
+              </a:rPr>
+              <a:t>x</a:t>
+            </a:r>
+            <a:r>
+              <a:rPr lang="zh-TW" altLang="en-US" sz="7200" dirty="0">
+                <a:latin typeface="源石黑體 B" panose="020B0800000000000000" pitchFamily="34" charset="-120"/>
+                <a:ea typeface="源石黑體 B" panose="020B0800000000000000" pitchFamily="34" charset="-120"/>
+              </a:rPr>
+              <a:t>、</a:t>
+            </a:r>
+            <a:r>
+              <a:rPr lang="en-US" altLang="zh-TW" sz="7200" dirty="0">
+                <a:latin typeface="源石黑體 B" panose="020B0800000000000000" pitchFamily="34" charset="-120"/>
+                <a:ea typeface="源石黑體 B" panose="020B0800000000000000" pitchFamily="34" charset="-120"/>
+              </a:rPr>
+              <a:t>y</a:t>
+            </a:r>
+            <a:r>
+              <a:rPr lang="zh-TW" altLang="en-US" sz="7200" dirty="0">
+                <a:latin typeface="源石黑體 B" panose="020B0800000000000000" pitchFamily="34" charset="-120"/>
+                <a:ea typeface="源石黑體 B" panose="020B0800000000000000" pitchFamily="34" charset="-120"/>
+              </a:rPr>
+              <a:t>及結果</a:t>
+            </a:r>
+            <a:r>
+              <a:rPr lang="en-US" altLang="zh-TW" sz="7200" dirty="0">
+                <a:latin typeface="源石黑體 B" panose="020B0800000000000000" pitchFamily="34" charset="-120"/>
+                <a:ea typeface="源石黑體 B" panose="020B0800000000000000" pitchFamily="34" charset="-120"/>
+              </a:rPr>
+              <a:t>theta</a:t>
             </a:r>
             <a:endParaRPr lang="en-US" sz="7200" dirty="0">
               <a:latin typeface="源石黑體 B" panose="020B0800000000000000" pitchFamily="34" charset="-120"/>
@@ -8685,6 +12067,36 @@
           </a:p>
         </p:txBody>
       </p:sp>
+      <p:pic>
+        <p:nvPicPr>
+          <p:cNvPr id="7" name="圖片 6">
+            <a:extLst>
+              <a:ext uri="{FF2B5EF4-FFF2-40B4-BE49-F238E27FC236}">
+                <a16:creationId xmlns:a16="http://schemas.microsoft.com/office/drawing/2014/main" id="{4839A387-171D-E2C7-2A52-010945461E0D}"/>
+              </a:ext>
+            </a:extLst>
+          </p:cNvPr>
+          <p:cNvPicPr>
+            <a:picLocks noChangeAspect="1"/>
+          </p:cNvPicPr>
+          <p:nvPr/>
+        </p:nvPicPr>
+        <p:blipFill>
+          <a:blip r:embed="rId2"/>
+          <a:stretch>
+            <a:fillRect/>
+          </a:stretch>
+        </p:blipFill>
+        <p:spPr>
+          <a:xfrm>
+            <a:off x="610601" y="1117141"/>
+            <a:ext cx="10936226" cy="3296110"/>
+          </a:xfrm>
+          <a:prstGeom prst="rect">
+            <a:avLst/>
+          </a:prstGeom>
+        </p:spPr>
+      </p:pic>
     </p:spTree>
     <p:extLst>
       <p:ext uri="{BB962C8B-B14F-4D97-AF65-F5344CB8AC3E}">
@@ -8914,10 +12326,10 @@
       </p:sp>
       <p:pic>
         <p:nvPicPr>
-          <p:cNvPr id="5" name="圖片 4">
-            <a:extLst>
-              <a:ext uri="{FF2B5EF4-FFF2-40B4-BE49-F238E27FC236}">
-                <a16:creationId xmlns:a16="http://schemas.microsoft.com/office/drawing/2014/main" id="{29DD1305-F7F7-6074-8618-8F31EF66D222}"/>
+          <p:cNvPr id="3" name="圖片 2">
+            <a:extLst>
+              <a:ext uri="{FF2B5EF4-FFF2-40B4-BE49-F238E27FC236}">
+                <a16:creationId xmlns:a16="http://schemas.microsoft.com/office/drawing/2014/main" id="{E547E11E-20CE-7139-EA5E-802F09829525}"/>
               </a:ext>
             </a:extLst>
           </p:cNvPr>
@@ -8927,20 +12339,15 @@
           <p:nvPr/>
         </p:nvPicPr>
         <p:blipFill>
-          <a:blip r:embed="rId2">
-            <a:extLst>
-              <a:ext uri="{28A0092B-C50C-407E-A947-70E740481C1C}">
-                <a14:useLocalDpi xmlns:a14="http://schemas.microsoft.com/office/drawing/2010/main" val="0"/>
-              </a:ext>
-            </a:extLst>
-          </a:blip>
-          <a:srcRect/>
-          <a:stretch/>
+          <a:blip r:embed="rId2"/>
+          <a:stretch>
+            <a:fillRect/>
+          </a:stretch>
         </p:blipFill>
         <p:spPr>
           <a:xfrm>
-            <a:off x="851288" y="841585"/>
-            <a:ext cx="8292769" cy="4680674"/>
+            <a:off x="780682" y="1506620"/>
+            <a:ext cx="4586064" cy="3863759"/>
           </a:xfrm>
           <a:prstGeom prst="rect">
             <a:avLst/>
@@ -8949,10 +12356,138 @@
       </p:pic>
       <p:sp>
         <p:nvSpPr>
-          <p:cNvPr id="2" name="矩形 1">
-            <a:extLst>
-              <a:ext uri="{FF2B5EF4-FFF2-40B4-BE49-F238E27FC236}">
-                <a16:creationId xmlns:a16="http://schemas.microsoft.com/office/drawing/2014/main" id="{139E508C-A6C8-F07D-1D13-DC4EF185D0DF}"/>
+          <p:cNvPr id="4" name="Google Shape;150;p17">
+            <a:extLst>
+              <a:ext uri="{FF2B5EF4-FFF2-40B4-BE49-F238E27FC236}">
+                <a16:creationId xmlns:a16="http://schemas.microsoft.com/office/drawing/2014/main" id="{690D1037-3F4C-3701-E5F3-7362BB6E0C62}"/>
+              </a:ext>
+            </a:extLst>
+          </p:cNvPr>
+          <p:cNvSpPr txBox="1">
+            <a:spLocks/>
+          </p:cNvSpPr>
+          <p:nvPr/>
+        </p:nvSpPr>
+        <p:spPr>
+          <a:xfrm>
+            <a:off x="6008520" y="2043254"/>
+            <a:ext cx="5267562" cy="4187903"/>
+          </a:xfrm>
+          <a:prstGeom prst="rect">
+            <a:avLst/>
+          </a:prstGeom>
+        </p:spPr>
+        <p:txBody>
+          <a:bodyPr spcFirstLastPara="1" vert="horz" wrap="square" lIns="0" tIns="0" rIns="0" bIns="0" rtlCol="0" anchor="b" anchorCtr="0">
+            <a:noAutofit/>
+          </a:bodyPr>
+          <a:lstStyle>
+            <a:lvl1pPr algn="l" defTabSz="914400" rtl="0" eaLnBrk="1" latinLnBrk="0" hangingPunct="1">
+              <a:lnSpc>
+                <a:spcPct val="90000"/>
+              </a:lnSpc>
+              <a:spcBef>
+                <a:spcPct val="0"/>
+              </a:spcBef>
+              <a:buNone/>
+              <a:defRPr sz="4400" kern="1200">
+                <a:solidFill>
+                  <a:schemeClr val="tx1"/>
+                </a:solidFill>
+                <a:latin typeface="+mj-lt"/>
+                <a:ea typeface="+mj-ea"/>
+                <a:cs typeface="+mj-cs"/>
+              </a:defRPr>
+            </a:lvl1pPr>
+          </a:lstStyle>
+          <a:p>
+            <a:pPr>
+              <a:spcBef>
+                <a:spcPts val="0"/>
+              </a:spcBef>
+            </a:pPr>
+            <a:r>
+              <a:rPr lang="zh-TW" altLang="en-US" sz="6000" dirty="0">
+                <a:latin typeface="源石黑體 B" panose="020B0800000000000000" pitchFamily="34" charset="-120"/>
+                <a:ea typeface="源石黑體 B" panose="020B0800000000000000" pitchFamily="34" charset="-120"/>
+              </a:rPr>
+              <a:t>寫入</a:t>
+            </a:r>
+            <a:r>
+              <a:rPr lang="en-US" altLang="zh-TW" sz="6000" dirty="0">
+                <a:latin typeface="源石黑體 B" panose="020B0800000000000000" pitchFamily="34" charset="-120"/>
+                <a:ea typeface="源石黑體 B" panose="020B0800000000000000" pitchFamily="34" charset="-120"/>
+              </a:rPr>
+              <a:t>x</a:t>
+            </a:r>
+            <a:r>
+              <a:rPr lang="zh-TW" altLang="en-US" sz="6000" dirty="0">
+                <a:latin typeface="源石黑體 B" panose="020B0800000000000000" pitchFamily="34" charset="-120"/>
+                <a:ea typeface="源石黑體 B" panose="020B0800000000000000" pitchFamily="34" charset="-120"/>
+              </a:rPr>
+              <a:t>只需要先補</a:t>
+            </a:r>
+            <a:r>
+              <a:rPr lang="en-US" altLang="zh-TW" sz="6000" dirty="0">
+                <a:latin typeface="源石黑體 B" panose="020B0800000000000000" pitchFamily="34" charset="-120"/>
+                <a:ea typeface="源石黑體 B" panose="020B0800000000000000" pitchFamily="34" charset="-120"/>
+              </a:rPr>
+              <a:t>0(</a:t>
+            </a:r>
+            <a:r>
+              <a:rPr lang="zh-TW" altLang="en-US" sz="6000" dirty="0">
+                <a:latin typeface="源石黑體 B" panose="020B0800000000000000" pitchFamily="34" charset="-120"/>
+                <a:ea typeface="源石黑體 B" panose="020B0800000000000000" pitchFamily="34" charset="-120"/>
+              </a:rPr>
+              <a:t>正數</a:t>
+            </a:r>
+            <a:r>
+              <a:rPr lang="en-US" altLang="zh-TW" sz="6000" dirty="0">
+                <a:latin typeface="源石黑體 B" panose="020B0800000000000000" pitchFamily="34" charset="-120"/>
+                <a:ea typeface="源石黑體 B" panose="020B0800000000000000" pitchFamily="34" charset="-120"/>
+              </a:rPr>
+              <a:t>)</a:t>
+            </a:r>
+            <a:r>
+              <a:rPr lang="zh-TW" altLang="en-US" sz="6000" dirty="0">
+                <a:latin typeface="源石黑體 B" panose="020B0800000000000000" pitchFamily="34" charset="-120"/>
+                <a:ea typeface="源石黑體 B" panose="020B0800000000000000" pitchFamily="34" charset="-120"/>
+              </a:rPr>
+              <a:t>，在確保數值有沒有大於</a:t>
+            </a:r>
+            <a:r>
+              <a:rPr lang="en-US" altLang="zh-TW" sz="6000" dirty="0">
+                <a:latin typeface="源石黑體 B" panose="020B0800000000000000" pitchFamily="34" charset="-120"/>
+                <a:ea typeface="源石黑體 B" panose="020B0800000000000000" pitchFamily="34" charset="-120"/>
+              </a:rPr>
+              <a:t>0</a:t>
+            </a:r>
+            <a:r>
+              <a:rPr lang="zh-TW" altLang="en-US" sz="6000" dirty="0">
+                <a:latin typeface="源石黑體 B" panose="020B0800000000000000" pitchFamily="34" charset="-120"/>
+                <a:ea typeface="源石黑體 B" panose="020B0800000000000000" pitchFamily="34" charset="-120"/>
+              </a:rPr>
+              <a:t>即可</a:t>
+            </a:r>
+            <a:br>
+              <a:rPr lang="en-US" altLang="zh-TW" sz="7200" dirty="0">
+                <a:latin typeface="源石黑體 B" panose="020B0800000000000000" pitchFamily="34" charset="-120"/>
+                <a:ea typeface="源石黑體 B" panose="020B0800000000000000" pitchFamily="34" charset="-120"/>
+              </a:rPr>
+            </a:br>
+            <a:endParaRPr lang="en-US" sz="7200" dirty="0">
+              <a:latin typeface="源石黑體 B" panose="020B0800000000000000" pitchFamily="34" charset="-120"/>
+              <a:ea typeface="源石黑體 B" panose="020B0800000000000000" pitchFamily="34" charset="-120"/>
+            </a:endParaRPr>
+          </a:p>
+        </p:txBody>
+      </p:sp>
+      <p:sp>
+        <p:nvSpPr>
+          <p:cNvPr id="8" name="矩形 7">
+            <a:extLst>
+              <a:ext uri="{FF2B5EF4-FFF2-40B4-BE49-F238E27FC236}">
+                <a16:creationId xmlns:a16="http://schemas.microsoft.com/office/drawing/2014/main" id="{C4902F24-93C9-376A-02CE-CF4F2113F92B}"/>
               </a:ext>
             </a:extLst>
           </p:cNvPr>
@@ -8961,16 +12496,16 @@
         </p:nvSpPr>
         <p:spPr>
           <a:xfrm>
-            <a:off x="1652767" y="1239380"/>
-            <a:ext cx="3134386" cy="903186"/>
+            <a:off x="1263602" y="3711388"/>
+            <a:ext cx="4103144" cy="654424"/>
           </a:xfrm>
           <a:prstGeom prst="rect">
             <a:avLst/>
           </a:prstGeom>
           <a:noFill/>
-          <a:ln w="57150">
+          <a:ln w="76200">
             <a:solidFill>
-              <a:srgbClr val="A83724"/>
+              <a:srgbClr val="FF0000"/>
             </a:solidFill>
           </a:ln>
         </p:spPr>
@@ -8999,794 +12534,105 @@
           </a:p>
         </p:txBody>
       </p:sp>
-      <p:sp>
-        <p:nvSpPr>
-          <p:cNvPr id="3" name="矩形 2">
-            <a:extLst>
-              <a:ext uri="{FF2B5EF4-FFF2-40B4-BE49-F238E27FC236}">
-                <a16:creationId xmlns:a16="http://schemas.microsoft.com/office/drawing/2014/main" id="{FFE893E3-1146-D4ED-0CA2-A75BD4C87BEA}"/>
-              </a:ext>
-            </a:extLst>
-          </p:cNvPr>
-          <p:cNvSpPr/>
-          <p:nvPr/>
-        </p:nvSpPr>
-        <p:spPr>
-          <a:xfrm>
-            <a:off x="9785831" y="1039942"/>
-            <a:ext cx="1117573" cy="318909"/>
-          </a:xfrm>
-          <a:prstGeom prst="rect">
-            <a:avLst/>
-          </a:prstGeom>
-          <a:solidFill>
-            <a:srgbClr val="A83724"/>
-          </a:solidFill>
-          <a:ln>
-            <a:noFill/>
-          </a:ln>
-        </p:spPr>
-        <p:style>
-          <a:lnRef idx="2">
-            <a:schemeClr val="accent1">
-              <a:shade val="50000"/>
-            </a:schemeClr>
-          </a:lnRef>
-          <a:fillRef idx="1">
-            <a:schemeClr val="accent1"/>
-          </a:fillRef>
-          <a:effectRef idx="0">
-            <a:schemeClr val="accent1"/>
-          </a:effectRef>
-          <a:fontRef idx="minor">
-            <a:schemeClr val="lt1"/>
-          </a:fontRef>
-        </p:style>
-        <p:txBody>
-          <a:bodyPr rtlCol="0" anchor="ctr"/>
-          <a:lstStyle/>
-          <a:p>
-            <a:pPr algn="ctr"/>
-            <a:r>
-              <a:rPr lang="zh-TW" altLang="en-US" sz="1600" dirty="0">
-                <a:ln w="0"/>
-                <a:solidFill>
-                  <a:schemeClr val="bg1"/>
-                </a:solidFill>
-                <a:effectLst>
-                  <a:outerShdw blurRad="38100" dist="19050" dir="2700000" algn="tl" rotWithShape="0">
-                    <a:schemeClr val="dk1">
-                      <a:alpha val="40000"/>
-                    </a:schemeClr>
-                  </a:outerShdw>
-                </a:effectLst>
-                <a:latin typeface="源石黑體 R" panose="020B0500000000000000" pitchFamily="34" charset="-120"/>
-                <a:ea typeface="源石黑體 R" panose="020B0500000000000000" pitchFamily="34" charset="-120"/>
-              </a:rPr>
-              <a:t>初始化</a:t>
-            </a:r>
-          </a:p>
-        </p:txBody>
-      </p:sp>
-      <p:cxnSp>
-        <p:nvCxnSpPr>
-          <p:cNvPr id="4" name="直線接點 3">
-            <a:extLst>
-              <a:ext uri="{FF2B5EF4-FFF2-40B4-BE49-F238E27FC236}">
-                <a16:creationId xmlns:a16="http://schemas.microsoft.com/office/drawing/2014/main" id="{8BD42F48-494A-A653-E02A-8DF2873B9BCF}"/>
-              </a:ext>
-            </a:extLst>
-          </p:cNvPr>
-          <p:cNvCxnSpPr>
-            <a:cxnSpLocks/>
-            <a:stCxn id="2" idx="3"/>
-            <a:endCxn id="3" idx="1"/>
-          </p:cNvCxnSpPr>
-          <p:nvPr/>
-        </p:nvCxnSpPr>
-        <p:spPr>
-          <a:xfrm flipV="1">
-            <a:off x="4787153" y="1199397"/>
-            <a:ext cx="4998678" cy="491576"/>
-          </a:xfrm>
-          <a:prstGeom prst="line">
-            <a:avLst/>
-          </a:prstGeom>
-          <a:ln w="38100">
-            <a:solidFill>
-              <a:srgbClr val="A83724"/>
-            </a:solidFill>
-          </a:ln>
-        </p:spPr>
-        <p:style>
-          <a:lnRef idx="1">
-            <a:schemeClr val="accent1"/>
-          </a:lnRef>
-          <a:fillRef idx="0">
-            <a:schemeClr val="accent1"/>
-          </a:fillRef>
-          <a:effectRef idx="0">
-            <a:schemeClr val="accent1"/>
-          </a:effectRef>
-          <a:fontRef idx="minor">
-            <a:schemeClr val="tx1"/>
-          </a:fontRef>
-        </p:style>
-      </p:cxnSp>
-      <p:sp>
-        <p:nvSpPr>
-          <p:cNvPr id="13" name="矩形 12">
-            <a:extLst>
-              <a:ext uri="{FF2B5EF4-FFF2-40B4-BE49-F238E27FC236}">
-                <a16:creationId xmlns:a16="http://schemas.microsoft.com/office/drawing/2014/main" id="{33719A0C-C262-8D58-C165-890785C64931}"/>
-              </a:ext>
-            </a:extLst>
-          </p:cNvPr>
-          <p:cNvSpPr/>
-          <p:nvPr/>
-        </p:nvSpPr>
-        <p:spPr>
-          <a:xfrm>
-            <a:off x="2463602" y="2531075"/>
-            <a:ext cx="6268022" cy="310896"/>
-          </a:xfrm>
-          <a:prstGeom prst="rect">
-            <a:avLst/>
-          </a:prstGeom>
-          <a:noFill/>
-          <a:ln w="57150">
-            <a:solidFill>
-              <a:srgbClr val="A83724"/>
-            </a:solidFill>
-          </a:ln>
-        </p:spPr>
-        <p:style>
-          <a:lnRef idx="2">
-            <a:schemeClr val="accent1">
-              <a:shade val="50000"/>
-            </a:schemeClr>
-          </a:lnRef>
-          <a:fillRef idx="1">
-            <a:schemeClr val="accent1"/>
-          </a:fillRef>
-          <a:effectRef idx="0">
-            <a:schemeClr val="accent1"/>
-          </a:effectRef>
-          <a:fontRef idx="minor">
-            <a:schemeClr val="lt1"/>
-          </a:fontRef>
-        </p:style>
-        <p:txBody>
-          <a:bodyPr rtlCol="0" anchor="ctr"/>
-          <a:lstStyle/>
-          <a:p>
-            <a:pPr algn="ctr"/>
-            <a:endParaRPr lang="zh-TW" altLang="en-US"/>
-          </a:p>
-        </p:txBody>
-      </p:sp>
-      <p:sp>
-        <p:nvSpPr>
-          <p:cNvPr id="15" name="矩形 14">
-            <a:extLst>
-              <a:ext uri="{FF2B5EF4-FFF2-40B4-BE49-F238E27FC236}">
-                <a16:creationId xmlns:a16="http://schemas.microsoft.com/office/drawing/2014/main" id="{7C67E100-D356-17D3-94C4-3C5726FDE8EC}"/>
-              </a:ext>
-            </a:extLst>
-          </p:cNvPr>
-          <p:cNvSpPr/>
-          <p:nvPr/>
-        </p:nvSpPr>
-        <p:spPr>
-          <a:xfrm>
-            <a:off x="9785830" y="1690973"/>
-            <a:ext cx="1339370" cy="318909"/>
-          </a:xfrm>
-          <a:prstGeom prst="rect">
-            <a:avLst/>
-          </a:prstGeom>
-          <a:solidFill>
-            <a:srgbClr val="A83724"/>
-          </a:solidFill>
-          <a:ln>
-            <a:noFill/>
-          </a:ln>
-        </p:spPr>
-        <p:style>
-          <a:lnRef idx="2">
-            <a:schemeClr val="accent1">
-              <a:shade val="50000"/>
-            </a:schemeClr>
-          </a:lnRef>
-          <a:fillRef idx="1">
-            <a:schemeClr val="accent1"/>
-          </a:fillRef>
-          <a:effectRef idx="0">
-            <a:schemeClr val="accent1"/>
-          </a:effectRef>
-          <a:fontRef idx="minor">
-            <a:schemeClr val="lt1"/>
-          </a:fontRef>
-        </p:style>
-        <p:txBody>
-          <a:bodyPr rtlCol="0" anchor="ctr"/>
-          <a:lstStyle/>
-          <a:p>
-            <a:pPr algn="ctr"/>
-            <a:r>
-              <a:rPr lang="zh-TW" altLang="en-US" sz="1600" dirty="0">
-                <a:ln w="0"/>
-                <a:solidFill>
-                  <a:schemeClr val="bg1"/>
-                </a:solidFill>
-                <a:effectLst>
-                  <a:outerShdw blurRad="38100" dist="19050" dir="2700000" algn="tl" rotWithShape="0">
-                    <a:schemeClr val="dk1">
-                      <a:alpha val="40000"/>
-                    </a:schemeClr>
-                  </a:outerShdw>
-                </a:effectLst>
-                <a:latin typeface="源石黑體 R" panose="020B0500000000000000" pitchFamily="34" charset="-120"/>
-                <a:ea typeface="源石黑體 R" panose="020B0500000000000000" pitchFamily="34" charset="-120"/>
-              </a:rPr>
-              <a:t>從測資取值</a:t>
-            </a:r>
-          </a:p>
-        </p:txBody>
-      </p:sp>
-      <p:cxnSp>
-        <p:nvCxnSpPr>
-          <p:cNvPr id="16" name="直線接點 15">
-            <a:extLst>
-              <a:ext uri="{FF2B5EF4-FFF2-40B4-BE49-F238E27FC236}">
-                <a16:creationId xmlns:a16="http://schemas.microsoft.com/office/drawing/2014/main" id="{2E21F58A-59D0-809E-D7E5-1A9783842C2F}"/>
-              </a:ext>
-            </a:extLst>
-          </p:cNvPr>
-          <p:cNvCxnSpPr>
-            <a:cxnSpLocks/>
-            <a:stCxn id="13" idx="3"/>
-            <a:endCxn id="15" idx="1"/>
-          </p:cNvCxnSpPr>
-          <p:nvPr/>
-        </p:nvCxnSpPr>
-        <p:spPr>
-          <a:xfrm flipV="1">
-            <a:off x="8731624" y="1850428"/>
-            <a:ext cx="1054206" cy="836095"/>
-          </a:xfrm>
-          <a:prstGeom prst="line">
-            <a:avLst/>
-          </a:prstGeom>
-          <a:ln w="38100">
-            <a:solidFill>
-              <a:srgbClr val="A83724"/>
-            </a:solidFill>
-          </a:ln>
-        </p:spPr>
-        <p:style>
-          <a:lnRef idx="1">
-            <a:schemeClr val="accent1"/>
-          </a:lnRef>
-          <a:fillRef idx="0">
-            <a:schemeClr val="accent1"/>
-          </a:fillRef>
-          <a:effectRef idx="0">
-            <a:schemeClr val="accent1"/>
-          </a:effectRef>
-          <a:fontRef idx="minor">
-            <a:schemeClr val="tx1"/>
-          </a:fontRef>
-        </p:style>
-      </p:cxnSp>
-      <p:sp>
-        <p:nvSpPr>
-          <p:cNvPr id="20" name="矩形 19">
-            <a:extLst>
-              <a:ext uri="{FF2B5EF4-FFF2-40B4-BE49-F238E27FC236}">
-                <a16:creationId xmlns:a16="http://schemas.microsoft.com/office/drawing/2014/main" id="{D10A47FF-120D-C695-6EB9-56C58B18CF91}"/>
-              </a:ext>
-            </a:extLst>
-          </p:cNvPr>
-          <p:cNvSpPr/>
-          <p:nvPr/>
-        </p:nvSpPr>
-        <p:spPr>
-          <a:xfrm>
-            <a:off x="2406170" y="3125981"/>
-            <a:ext cx="6268022" cy="1508771"/>
-          </a:xfrm>
-          <a:prstGeom prst="rect">
-            <a:avLst/>
-          </a:prstGeom>
-          <a:noFill/>
-          <a:ln w="57150">
-            <a:solidFill>
-              <a:srgbClr val="A83724"/>
-            </a:solidFill>
-          </a:ln>
-        </p:spPr>
-        <p:style>
-          <a:lnRef idx="2">
-            <a:schemeClr val="accent1">
-              <a:shade val="50000"/>
-            </a:schemeClr>
-          </a:lnRef>
-          <a:fillRef idx="1">
-            <a:schemeClr val="accent1"/>
-          </a:fillRef>
-          <a:effectRef idx="0">
-            <a:schemeClr val="accent1"/>
-          </a:effectRef>
-          <a:fontRef idx="minor">
-            <a:schemeClr val="lt1"/>
-          </a:fontRef>
-        </p:style>
-        <p:txBody>
-          <a:bodyPr rtlCol="0" anchor="ctr"/>
-          <a:lstStyle/>
-          <a:p>
-            <a:pPr algn="ctr"/>
-            <a:endParaRPr lang="zh-TW" altLang="en-US"/>
-          </a:p>
-        </p:txBody>
-      </p:sp>
-      <p:sp>
-        <p:nvSpPr>
-          <p:cNvPr id="21" name="矩形 20">
-            <a:extLst>
-              <a:ext uri="{FF2B5EF4-FFF2-40B4-BE49-F238E27FC236}">
-                <a16:creationId xmlns:a16="http://schemas.microsoft.com/office/drawing/2014/main" id="{CF524F01-9583-5B4C-FA7E-C2CC7C2B7E80}"/>
-              </a:ext>
-            </a:extLst>
-          </p:cNvPr>
-          <p:cNvSpPr/>
-          <p:nvPr/>
-        </p:nvSpPr>
-        <p:spPr>
-          <a:xfrm>
-            <a:off x="9728398" y="2285879"/>
-            <a:ext cx="1477488" cy="556092"/>
-          </a:xfrm>
-          <a:prstGeom prst="rect">
-            <a:avLst/>
-          </a:prstGeom>
-          <a:solidFill>
-            <a:srgbClr val="A83724"/>
-          </a:solidFill>
-          <a:ln>
-            <a:noFill/>
-          </a:ln>
-        </p:spPr>
-        <p:style>
-          <a:lnRef idx="2">
-            <a:schemeClr val="accent1">
-              <a:shade val="50000"/>
-            </a:schemeClr>
-          </a:lnRef>
-          <a:fillRef idx="1">
-            <a:schemeClr val="accent1"/>
-          </a:fillRef>
-          <a:effectRef idx="0">
-            <a:schemeClr val="accent1"/>
-          </a:effectRef>
-          <a:fontRef idx="minor">
-            <a:schemeClr val="lt1"/>
-          </a:fontRef>
-        </p:style>
-        <p:txBody>
-          <a:bodyPr rtlCol="0" anchor="ctr"/>
-          <a:lstStyle/>
-          <a:p>
-            <a:pPr algn="ctr"/>
-            <a:r>
-              <a:rPr lang="zh-TW" altLang="en-US" sz="1600" dirty="0">
-                <a:ln w="0"/>
-                <a:solidFill>
-                  <a:schemeClr val="bg1"/>
-                </a:solidFill>
-                <a:effectLst>
-                  <a:outerShdw blurRad="38100" dist="19050" dir="2700000" algn="tl" rotWithShape="0">
-                    <a:schemeClr val="dk1">
-                      <a:alpha val="40000"/>
-                    </a:schemeClr>
-                  </a:outerShdw>
-                </a:effectLst>
-                <a:latin typeface="源石黑體 R" panose="020B0500000000000000" pitchFamily="34" charset="-120"/>
-                <a:ea typeface="源石黑體 R" panose="020B0500000000000000" pitchFamily="34" charset="-120"/>
-              </a:rPr>
-              <a:t>計算是否在誤差之內</a:t>
-            </a:r>
-          </a:p>
-        </p:txBody>
-      </p:sp>
-      <p:cxnSp>
-        <p:nvCxnSpPr>
-          <p:cNvPr id="22" name="直線接點 21">
-            <a:extLst>
-              <a:ext uri="{FF2B5EF4-FFF2-40B4-BE49-F238E27FC236}">
-                <a16:creationId xmlns:a16="http://schemas.microsoft.com/office/drawing/2014/main" id="{F56B4A7D-6BB9-94A1-1F83-9E79232DC37F}"/>
-              </a:ext>
-            </a:extLst>
-          </p:cNvPr>
-          <p:cNvCxnSpPr>
-            <a:cxnSpLocks/>
-            <a:stCxn id="20" idx="3"/>
-            <a:endCxn id="21" idx="1"/>
-          </p:cNvCxnSpPr>
-          <p:nvPr/>
-        </p:nvCxnSpPr>
-        <p:spPr>
-          <a:xfrm flipV="1">
-            <a:off x="8674192" y="2563925"/>
-            <a:ext cx="1054206" cy="1316442"/>
-          </a:xfrm>
-          <a:prstGeom prst="line">
-            <a:avLst/>
-          </a:prstGeom>
-          <a:ln w="38100">
-            <a:solidFill>
-              <a:srgbClr val="A83724"/>
-            </a:solidFill>
-          </a:ln>
-        </p:spPr>
-        <p:style>
-          <a:lnRef idx="1">
-            <a:schemeClr val="accent1"/>
-          </a:lnRef>
-          <a:fillRef idx="0">
-            <a:schemeClr val="accent1"/>
-          </a:fillRef>
-          <a:effectRef idx="0">
-            <a:schemeClr val="accent1"/>
-          </a:effectRef>
-          <a:fontRef idx="minor">
-            <a:schemeClr val="tx1"/>
-          </a:fontRef>
-        </p:style>
-      </p:cxnSp>
-      <p:sp>
-        <p:nvSpPr>
-          <p:cNvPr id="35" name="矩形 34">
-            <a:extLst>
-              <a:ext uri="{FF2B5EF4-FFF2-40B4-BE49-F238E27FC236}">
-                <a16:creationId xmlns:a16="http://schemas.microsoft.com/office/drawing/2014/main" id="{0BD0EE1D-7830-FEA8-3370-A1E4E6D1DD7D}"/>
-              </a:ext>
-            </a:extLst>
-          </p:cNvPr>
-          <p:cNvSpPr/>
-          <p:nvPr/>
-        </p:nvSpPr>
-        <p:spPr>
-          <a:xfrm>
-            <a:off x="2922495" y="3555014"/>
-            <a:ext cx="3630706" cy="270372"/>
-          </a:xfrm>
-          <a:prstGeom prst="rect">
-            <a:avLst/>
-          </a:prstGeom>
-          <a:noFill/>
-          <a:ln w="57150">
-            <a:solidFill>
-              <a:srgbClr val="A83724"/>
-            </a:solidFill>
-          </a:ln>
-        </p:spPr>
-        <p:style>
-          <a:lnRef idx="2">
-            <a:schemeClr val="accent1">
-              <a:shade val="50000"/>
-            </a:schemeClr>
-          </a:lnRef>
-          <a:fillRef idx="1">
-            <a:schemeClr val="accent1"/>
-          </a:fillRef>
-          <a:effectRef idx="0">
-            <a:schemeClr val="accent1"/>
-          </a:effectRef>
-          <a:fontRef idx="minor">
-            <a:schemeClr val="lt1"/>
-          </a:fontRef>
-        </p:style>
-        <p:txBody>
-          <a:bodyPr rtlCol="0" anchor="ctr"/>
-          <a:lstStyle/>
-          <a:p>
-            <a:pPr algn="ctr"/>
-            <a:endParaRPr lang="zh-TW" altLang="en-US"/>
-          </a:p>
-        </p:txBody>
-      </p:sp>
-      <p:sp>
-        <p:nvSpPr>
-          <p:cNvPr id="36" name="矩形 35">
-            <a:extLst>
-              <a:ext uri="{FF2B5EF4-FFF2-40B4-BE49-F238E27FC236}">
-                <a16:creationId xmlns:a16="http://schemas.microsoft.com/office/drawing/2014/main" id="{7CEB1D0F-83FB-7053-879F-CB387B1C923D}"/>
-              </a:ext>
-            </a:extLst>
-          </p:cNvPr>
-          <p:cNvSpPr/>
-          <p:nvPr/>
-        </p:nvSpPr>
-        <p:spPr>
-          <a:xfrm>
-            <a:off x="9755288" y="3110633"/>
-            <a:ext cx="1477488" cy="556092"/>
-          </a:xfrm>
-          <a:prstGeom prst="rect">
-            <a:avLst/>
-          </a:prstGeom>
-          <a:solidFill>
-            <a:srgbClr val="A83724"/>
-          </a:solidFill>
-          <a:ln>
-            <a:noFill/>
-          </a:ln>
-        </p:spPr>
-        <p:style>
-          <a:lnRef idx="2">
-            <a:schemeClr val="accent1">
-              <a:shade val="50000"/>
-            </a:schemeClr>
-          </a:lnRef>
-          <a:fillRef idx="1">
-            <a:schemeClr val="accent1"/>
-          </a:fillRef>
-          <a:effectRef idx="0">
-            <a:schemeClr val="accent1"/>
-          </a:effectRef>
-          <a:fontRef idx="minor">
-            <a:schemeClr val="lt1"/>
-          </a:fontRef>
-        </p:style>
-        <p:txBody>
-          <a:bodyPr rtlCol="0" anchor="ctr"/>
-          <a:lstStyle/>
-          <a:p>
-            <a:pPr algn="ctr"/>
-            <a:r>
-              <a:rPr lang="zh-TW" altLang="en-US" sz="1600" dirty="0">
-                <a:ln w="0"/>
-                <a:solidFill>
-                  <a:schemeClr val="bg1"/>
-                </a:solidFill>
-                <a:effectLst>
-                  <a:outerShdw blurRad="38100" dist="19050" dir="2700000" algn="tl" rotWithShape="0">
-                    <a:schemeClr val="dk1">
-                      <a:alpha val="40000"/>
-                    </a:schemeClr>
-                  </a:outerShdw>
-                </a:effectLst>
-                <a:latin typeface="源石黑體 R" panose="020B0500000000000000" pitchFamily="34" charset="-120"/>
-                <a:ea typeface="源石黑體 R" panose="020B0500000000000000" pitchFamily="34" charset="-120"/>
-              </a:rPr>
-              <a:t>儲存正確次數</a:t>
-            </a:r>
-          </a:p>
-        </p:txBody>
-      </p:sp>
-      <p:cxnSp>
-        <p:nvCxnSpPr>
-          <p:cNvPr id="37" name="直線接點 36">
-            <a:extLst>
-              <a:ext uri="{FF2B5EF4-FFF2-40B4-BE49-F238E27FC236}">
-                <a16:creationId xmlns:a16="http://schemas.microsoft.com/office/drawing/2014/main" id="{00C73D7E-31BC-A264-5523-2E6639A7AF17}"/>
-              </a:ext>
-            </a:extLst>
-          </p:cNvPr>
-          <p:cNvCxnSpPr>
-            <a:cxnSpLocks/>
-            <a:stCxn id="35" idx="3"/>
-            <a:endCxn id="36" idx="1"/>
-          </p:cNvCxnSpPr>
-          <p:nvPr/>
-        </p:nvCxnSpPr>
-        <p:spPr>
-          <a:xfrm flipV="1">
-            <a:off x="6553201" y="3388679"/>
-            <a:ext cx="3202087" cy="301521"/>
-          </a:xfrm>
-          <a:prstGeom prst="line">
-            <a:avLst/>
-          </a:prstGeom>
-          <a:ln w="38100">
-            <a:solidFill>
-              <a:srgbClr val="A83724"/>
-            </a:solidFill>
-          </a:ln>
-        </p:spPr>
-        <p:style>
-          <a:lnRef idx="1">
-            <a:schemeClr val="accent1"/>
-          </a:lnRef>
-          <a:fillRef idx="0">
-            <a:schemeClr val="accent1"/>
-          </a:fillRef>
-          <a:effectRef idx="0">
-            <a:schemeClr val="accent1"/>
-          </a:effectRef>
-          <a:fontRef idx="minor">
-            <a:schemeClr val="tx1"/>
-          </a:fontRef>
-        </p:style>
-      </p:cxnSp>
-      <p:sp>
-        <p:nvSpPr>
-          <p:cNvPr id="42" name="矩形 41">
-            <a:extLst>
-              <a:ext uri="{FF2B5EF4-FFF2-40B4-BE49-F238E27FC236}">
-                <a16:creationId xmlns:a16="http://schemas.microsoft.com/office/drawing/2014/main" id="{8A55AB85-9236-F01F-2D95-9BF3A4D0B716}"/>
-              </a:ext>
-            </a:extLst>
-          </p:cNvPr>
-          <p:cNvSpPr/>
-          <p:nvPr/>
-        </p:nvSpPr>
-        <p:spPr>
-          <a:xfrm>
-            <a:off x="2931455" y="4209437"/>
-            <a:ext cx="3630706" cy="270372"/>
-          </a:xfrm>
-          <a:prstGeom prst="rect">
-            <a:avLst/>
-          </a:prstGeom>
-          <a:noFill/>
-          <a:ln w="57150">
-            <a:solidFill>
-              <a:srgbClr val="A83724"/>
-            </a:solidFill>
-          </a:ln>
-        </p:spPr>
-        <p:style>
-          <a:lnRef idx="2">
-            <a:schemeClr val="accent1">
-              <a:shade val="50000"/>
-            </a:schemeClr>
-          </a:lnRef>
-          <a:fillRef idx="1">
-            <a:schemeClr val="accent1"/>
-          </a:fillRef>
-          <a:effectRef idx="0">
-            <a:schemeClr val="accent1"/>
-          </a:effectRef>
-          <a:fontRef idx="minor">
-            <a:schemeClr val="lt1"/>
-          </a:fontRef>
-        </p:style>
-        <p:txBody>
-          <a:bodyPr rtlCol="0" anchor="ctr"/>
-          <a:lstStyle/>
-          <a:p>
-            <a:pPr algn="ctr"/>
-            <a:endParaRPr lang="zh-TW" altLang="en-US"/>
-          </a:p>
-        </p:txBody>
-      </p:sp>
-      <p:sp>
-        <p:nvSpPr>
-          <p:cNvPr id="43" name="矩形 42">
-            <a:extLst>
-              <a:ext uri="{FF2B5EF4-FFF2-40B4-BE49-F238E27FC236}">
-                <a16:creationId xmlns:a16="http://schemas.microsoft.com/office/drawing/2014/main" id="{5E5CA261-9786-7799-7A37-0C18182E3763}"/>
-              </a:ext>
-            </a:extLst>
-          </p:cNvPr>
-          <p:cNvSpPr/>
-          <p:nvPr/>
-        </p:nvSpPr>
-        <p:spPr>
-          <a:xfrm>
-            <a:off x="9764248" y="3765056"/>
-            <a:ext cx="1468528" cy="556092"/>
-          </a:xfrm>
-          <a:prstGeom prst="rect">
-            <a:avLst/>
-          </a:prstGeom>
-          <a:solidFill>
-            <a:srgbClr val="A83724"/>
-          </a:solidFill>
-          <a:ln>
-            <a:noFill/>
-          </a:ln>
-        </p:spPr>
-        <p:style>
-          <a:lnRef idx="2">
-            <a:schemeClr val="accent1">
-              <a:shade val="50000"/>
-            </a:schemeClr>
-          </a:lnRef>
-          <a:fillRef idx="1">
-            <a:schemeClr val="accent1"/>
-          </a:fillRef>
-          <a:effectRef idx="0">
-            <a:schemeClr val="accent1"/>
-          </a:effectRef>
-          <a:fontRef idx="minor">
-            <a:schemeClr val="lt1"/>
-          </a:fontRef>
-        </p:style>
-        <p:txBody>
-          <a:bodyPr rtlCol="0" anchor="ctr"/>
-          <a:lstStyle/>
-          <a:p>
-            <a:pPr algn="ctr"/>
-            <a:r>
-              <a:rPr lang="zh-TW" altLang="en-US" sz="1600" dirty="0">
-                <a:ln w="0"/>
-                <a:solidFill>
-                  <a:schemeClr val="bg1"/>
-                </a:solidFill>
-                <a:effectLst>
-                  <a:outerShdw blurRad="38100" dist="19050" dir="2700000" algn="tl" rotWithShape="0">
-                    <a:schemeClr val="dk1">
-                      <a:alpha val="40000"/>
-                    </a:schemeClr>
-                  </a:outerShdw>
-                </a:effectLst>
-                <a:latin typeface="源石黑體 R" panose="020B0500000000000000" pitchFamily="34" charset="-120"/>
-                <a:ea typeface="源石黑體 R" panose="020B0500000000000000" pitchFamily="34" charset="-120"/>
-              </a:rPr>
-              <a:t>儲存錯誤次數</a:t>
-            </a:r>
-          </a:p>
-        </p:txBody>
-      </p:sp>
-      <p:cxnSp>
-        <p:nvCxnSpPr>
-          <p:cNvPr id="44" name="直線接點 43">
-            <a:extLst>
-              <a:ext uri="{FF2B5EF4-FFF2-40B4-BE49-F238E27FC236}">
-                <a16:creationId xmlns:a16="http://schemas.microsoft.com/office/drawing/2014/main" id="{4F11C997-D00A-7742-1657-DF5582C8D1F1}"/>
-              </a:ext>
-            </a:extLst>
-          </p:cNvPr>
-          <p:cNvCxnSpPr>
-            <a:cxnSpLocks/>
-            <a:stCxn id="42" idx="3"/>
-            <a:endCxn id="43" idx="1"/>
-          </p:cNvCxnSpPr>
-          <p:nvPr/>
-        </p:nvCxnSpPr>
-        <p:spPr>
-          <a:xfrm flipV="1">
-            <a:off x="6562161" y="4043102"/>
-            <a:ext cx="3202087" cy="301521"/>
-          </a:xfrm>
-          <a:prstGeom prst="line">
-            <a:avLst/>
-          </a:prstGeom>
-          <a:ln w="38100">
-            <a:solidFill>
-              <a:srgbClr val="A83724"/>
-            </a:solidFill>
-          </a:ln>
-        </p:spPr>
-        <p:style>
-          <a:lnRef idx="1">
-            <a:schemeClr val="accent1"/>
-          </a:lnRef>
-          <a:fillRef idx="0">
-            <a:schemeClr val="accent1"/>
-          </a:fillRef>
-          <a:effectRef idx="0">
-            <a:schemeClr val="accent1"/>
-          </a:effectRef>
-          <a:fontRef idx="minor">
-            <a:schemeClr val="tx1"/>
-          </a:fontRef>
-        </p:style>
-      </p:cxnSp>
     </p:spTree>
     <p:extLst>
       <p:ext uri="{BB962C8B-B14F-4D97-AF65-F5344CB8AC3E}">
-        <p14:creationId xmlns:p14="http://schemas.microsoft.com/office/powerpoint/2010/main" val="280207618"/>
+        <p14:creationId xmlns:p14="http://schemas.microsoft.com/office/powerpoint/2010/main" val="2700519570"/>
       </p:ext>
     </p:extLst>
   </p:cSld>
   <p:clrMapOvr>
     <a:masterClrMapping/>
   </p:clrMapOvr>
+  <p:timing>
+    <p:tnLst>
+      <p:par>
+        <p:cTn id="1" dur="indefinite" restart="never" nodeType="tmRoot">
+          <p:childTnLst>
+            <p:seq concurrent="1" nextAc="seek">
+              <p:cTn id="2" dur="indefinite" nodeType="mainSeq">
+                <p:childTnLst>
+                  <p:par>
+                    <p:cTn id="3" fill="hold">
+                      <p:stCondLst>
+                        <p:cond delay="indefinite"/>
+                        <p:cond evt="onBegin" delay="0">
+                          <p:tn val="2"/>
+                        </p:cond>
+                      </p:stCondLst>
+                      <p:childTnLst>
+                        <p:par>
+                          <p:cTn id="4" fill="hold">
+                            <p:stCondLst>
+                              <p:cond delay="0"/>
+                            </p:stCondLst>
+                            <p:childTnLst>
+                              <p:par>
+                                <p:cTn id="5" presetID="22" presetClass="entr" presetSubtype="4" fill="hold" grpId="0" nodeType="withEffect">
+                                  <p:stCondLst>
+                                    <p:cond delay="0"/>
+                                  </p:stCondLst>
+                                  <p:childTnLst>
+                                    <p:set>
+                                      <p:cBhvr>
+                                        <p:cTn id="6" dur="1" fill="hold">
+                                          <p:stCondLst>
+                                            <p:cond delay="0"/>
+                                          </p:stCondLst>
+                                        </p:cTn>
+                                        <p:tgtEl>
+                                          <p:spTgt spid="8"/>
+                                        </p:tgtEl>
+                                        <p:attrNameLst>
+                                          <p:attrName>style.visibility</p:attrName>
+                                        </p:attrNameLst>
+                                      </p:cBhvr>
+                                      <p:to>
+                                        <p:strVal val="visible"/>
+                                      </p:to>
+                                    </p:set>
+                                    <p:animEffect transition="in" filter="wipe(down)">
+                                      <p:cBhvr>
+                                        <p:cTn id="7" dur="500"/>
+                                        <p:tgtEl>
+                                          <p:spTgt spid="8"/>
+                                        </p:tgtEl>
+                                      </p:cBhvr>
+                                    </p:animEffect>
+                                  </p:childTnLst>
+                                </p:cTn>
+                              </p:par>
+                            </p:childTnLst>
+                          </p:cTn>
+                        </p:par>
+                      </p:childTnLst>
+                    </p:cTn>
+                  </p:par>
+                </p:childTnLst>
+              </p:cTn>
+              <p:prevCondLst>
+                <p:cond evt="onPrev" delay="0">
+                  <p:tgtEl>
+                    <p:sldTgt/>
+                  </p:tgtEl>
+                </p:cond>
+              </p:prevCondLst>
+              <p:nextCondLst>
+                <p:cond evt="onNext" delay="0">
+                  <p:tgtEl>
+                    <p:sldTgt/>
+                  </p:tgtEl>
+                </p:cond>
+              </p:nextCondLst>
+            </p:seq>
+          </p:childTnLst>
+        </p:cTn>
+      </p:par>
+    </p:tnLst>
+    <p:bldLst>
+      <p:bldP spid="8" grpId="0" animBg="1"/>
+    </p:bldLst>
+  </p:timing>
 </p:sld>
 </file>
 
@@ -10006,10 +12852,10 @@
       </p:sp>
       <p:pic>
         <p:nvPicPr>
-          <p:cNvPr id="5" name="圖片 4">
-            <a:extLst>
-              <a:ext uri="{FF2B5EF4-FFF2-40B4-BE49-F238E27FC236}">
-                <a16:creationId xmlns:a16="http://schemas.microsoft.com/office/drawing/2014/main" id="{29DD1305-F7F7-6074-8618-8F31EF66D222}"/>
+          <p:cNvPr id="3" name="圖片 2">
+            <a:extLst>
+              <a:ext uri="{FF2B5EF4-FFF2-40B4-BE49-F238E27FC236}">
+                <a16:creationId xmlns:a16="http://schemas.microsoft.com/office/drawing/2014/main" id="{55FB4B19-31FC-EC34-09F5-8EB3061E6BEE}"/>
               </a:ext>
             </a:extLst>
           </p:cNvPr>
@@ -10019,20 +12865,15 @@
           <p:nvPr/>
         </p:nvPicPr>
         <p:blipFill>
-          <a:blip r:embed="rId2">
-            <a:extLst>
-              <a:ext uri="{28A0092B-C50C-407E-A947-70E740481C1C}">
-                <a14:useLocalDpi xmlns:a14="http://schemas.microsoft.com/office/drawing/2010/main" val="0"/>
-              </a:ext>
-            </a:extLst>
-          </a:blip>
-          <a:srcRect/>
-          <a:stretch/>
+          <a:blip r:embed="rId2"/>
+          <a:stretch>
+            <a:fillRect/>
+          </a:stretch>
         </p:blipFill>
         <p:spPr>
           <a:xfrm>
-            <a:off x="962163" y="941615"/>
-            <a:ext cx="7911843" cy="4967136"/>
+            <a:off x="1023602" y="769529"/>
+            <a:ext cx="4220539" cy="5315373"/>
           </a:xfrm>
           <a:prstGeom prst="rect">
             <a:avLst/>
@@ -10041,10 +12882,10 @@
       </p:pic>
       <p:sp>
         <p:nvSpPr>
-          <p:cNvPr id="6" name="Google Shape;150;p17">
-            <a:extLst>
-              <a:ext uri="{FF2B5EF4-FFF2-40B4-BE49-F238E27FC236}">
-                <a16:creationId xmlns:a16="http://schemas.microsoft.com/office/drawing/2014/main" id="{AD7FA91A-9116-49A1-6629-43E11BDCF3B2}"/>
+          <p:cNvPr id="4" name="Google Shape;150;p17">
+            <a:extLst>
+              <a:ext uri="{FF2B5EF4-FFF2-40B4-BE49-F238E27FC236}">
+                <a16:creationId xmlns:a16="http://schemas.microsoft.com/office/drawing/2014/main" id="{F17B03AD-0B9A-81CE-A876-897D5962762E}"/>
               </a:ext>
             </a:extLst>
           </p:cNvPr>
@@ -10055,8 +12896,8 @@
         </p:nvSpPr>
         <p:spPr>
           <a:xfrm>
-            <a:off x="9449124" y="841585"/>
-            <a:ext cx="1080331" cy="4035215"/>
+            <a:off x="5352036" y="1241915"/>
+            <a:ext cx="6230756" cy="4187903"/>
           </a:xfrm>
           <a:prstGeom prst="rect">
             <a:avLst/>
@@ -10092,12 +12933,47 @@
               </a:spcBef>
             </a:pPr>
             <a:r>
-              <a:rPr lang="zh-TW" altLang="en-US" sz="7200" dirty="0">
+              <a:rPr lang="zh-TW" altLang="en-US" sz="4800" dirty="0">
                 <a:latin typeface="源石黑體 B" panose="020B0800000000000000" pitchFamily="34" charset="-120"/>
                 <a:ea typeface="源石黑體 B" panose="020B0800000000000000" pitchFamily="34" charset="-120"/>
               </a:rPr>
-              <a:t>輸出結果</a:t>
-            </a:r>
+              <a:t>寫入</a:t>
+            </a:r>
+            <a:r>
+              <a:rPr lang="en-US" altLang="zh-TW" sz="4800" dirty="0">
+                <a:latin typeface="源石黑體 B" panose="020B0800000000000000" pitchFamily="34" charset="-120"/>
+                <a:ea typeface="源石黑體 B" panose="020B0800000000000000" pitchFamily="34" charset="-120"/>
+              </a:rPr>
+              <a:t>y</a:t>
+            </a:r>
+            <a:r>
+              <a:rPr lang="zh-TW" altLang="en-US" sz="4800" dirty="0">
+                <a:latin typeface="源石黑體 B" panose="020B0800000000000000" pitchFamily="34" charset="-120"/>
+                <a:ea typeface="源石黑體 B" panose="020B0800000000000000" pitchFamily="34" charset="-120"/>
+              </a:rPr>
+              <a:t>，會有正負號問題，先判斷正負號，如果是負號做</a:t>
+            </a:r>
+            <a:r>
+              <a:rPr lang="en-US" altLang="zh-TW" sz="4800" dirty="0">
+                <a:latin typeface="Times New Roman" panose="02020603050405020304" pitchFamily="18" charset="0"/>
+                <a:ea typeface="源石黑體 B" panose="020B0800000000000000" pitchFamily="34" charset="-120"/>
+                <a:cs typeface="Times New Roman" panose="02020603050405020304" pitchFamily="18" charset="0"/>
+              </a:rPr>
+              <a:t>2’s</a:t>
+            </a:r>
+            <a:r>
+              <a:rPr lang="zh-TW" altLang="en-US" sz="4800" dirty="0">
+                <a:latin typeface="源石黑體 B" panose="020B0800000000000000" pitchFamily="34" charset="-120"/>
+                <a:ea typeface="源石黑體 B" panose="020B0800000000000000" pitchFamily="34" charset="-120"/>
+              </a:rPr>
+              <a:t>補數</a:t>
+            </a:r>
+            <a:br>
+              <a:rPr lang="en-US" altLang="zh-TW" sz="7200" dirty="0">
+                <a:latin typeface="源石黑體 B" panose="020B0800000000000000" pitchFamily="34" charset="-120"/>
+                <a:ea typeface="源石黑體 B" panose="020B0800000000000000" pitchFamily="34" charset="-120"/>
+              </a:rPr>
+            </a:br>
             <a:endParaRPr lang="en-US" sz="7200" dirty="0">
               <a:latin typeface="源石黑體 B" panose="020B0800000000000000" pitchFamily="34" charset="-120"/>
               <a:ea typeface="源石黑體 B" panose="020B0800000000000000" pitchFamily="34" charset="-120"/>
@@ -10105,16 +12981,157 @@
           </a:p>
         </p:txBody>
       </p:sp>
+      <p:sp>
+        <p:nvSpPr>
+          <p:cNvPr id="7" name="矩形 6">
+            <a:extLst>
+              <a:ext uri="{FF2B5EF4-FFF2-40B4-BE49-F238E27FC236}">
+                <a16:creationId xmlns:a16="http://schemas.microsoft.com/office/drawing/2014/main" id="{78CE1623-9EF3-3450-AEAA-558CEA611662}"/>
+              </a:ext>
+            </a:extLst>
+          </p:cNvPr>
+          <p:cNvSpPr/>
+          <p:nvPr/>
+        </p:nvSpPr>
+        <p:spPr>
+          <a:xfrm>
+            <a:off x="1113391" y="3496235"/>
+            <a:ext cx="4040959" cy="2588667"/>
+          </a:xfrm>
+          <a:prstGeom prst="rect">
+            <a:avLst/>
+          </a:prstGeom>
+          <a:noFill/>
+          <a:ln w="76200">
+            <a:solidFill>
+              <a:srgbClr val="FF0000"/>
+            </a:solidFill>
+          </a:ln>
+        </p:spPr>
+        <p:style>
+          <a:lnRef idx="2">
+            <a:schemeClr val="accent1">
+              <a:shade val="50000"/>
+            </a:schemeClr>
+          </a:lnRef>
+          <a:fillRef idx="1">
+            <a:schemeClr val="accent1"/>
+          </a:fillRef>
+          <a:effectRef idx="0">
+            <a:schemeClr val="accent1"/>
+          </a:effectRef>
+          <a:fontRef idx="minor">
+            <a:schemeClr val="lt1"/>
+          </a:fontRef>
+        </p:style>
+        <p:txBody>
+          <a:bodyPr rtlCol="0" anchor="ctr"/>
+          <a:lstStyle/>
+          <a:p>
+            <a:pPr algn="ctr"/>
+            <a:endParaRPr lang="zh-TW" altLang="en-US"/>
+          </a:p>
+        </p:txBody>
+      </p:sp>
     </p:spTree>
     <p:extLst>
       <p:ext uri="{BB962C8B-B14F-4D97-AF65-F5344CB8AC3E}">
-        <p14:creationId xmlns:p14="http://schemas.microsoft.com/office/powerpoint/2010/main" val="3846048506"/>
+        <p14:creationId xmlns:p14="http://schemas.microsoft.com/office/powerpoint/2010/main" val="1166243304"/>
       </p:ext>
     </p:extLst>
   </p:cSld>
   <p:clrMapOvr>
     <a:masterClrMapping/>
   </p:clrMapOvr>
+  <p:timing>
+    <p:tnLst>
+      <p:par>
+        <p:cTn id="1" dur="indefinite" restart="never" nodeType="tmRoot">
+          <p:childTnLst>
+            <p:seq concurrent="1" nextAc="seek">
+              <p:cTn id="2" dur="indefinite" nodeType="mainSeq">
+                <p:childTnLst>
+                  <p:par>
+                    <p:cTn id="3" fill="hold">
+                      <p:stCondLst>
+                        <p:cond delay="indefinite"/>
+                        <p:cond evt="onBegin" delay="0">
+                          <p:tn val="2"/>
+                        </p:cond>
+                      </p:stCondLst>
+                      <p:childTnLst>
+                        <p:par>
+                          <p:cTn id="4" fill="hold">
+                            <p:stCondLst>
+                              <p:cond delay="0"/>
+                            </p:stCondLst>
+                            <p:childTnLst>
+                              <p:par>
+                                <p:cTn id="5" presetID="22" presetClass="entr" presetSubtype="4" fill="hold" grpId="0" nodeType="withEffect">
+                                  <p:stCondLst>
+                                    <p:cond delay="0"/>
+                                  </p:stCondLst>
+                                  <p:childTnLst>
+                                    <p:set>
+                                      <p:cBhvr>
+                                        <p:cTn id="6" dur="1" fill="hold">
+                                          <p:stCondLst>
+                                            <p:cond delay="0"/>
+                                          </p:stCondLst>
+                                        </p:cTn>
+                                        <p:tgtEl>
+                                          <p:spTgt spid="7"/>
+                                        </p:tgtEl>
+                                        <p:attrNameLst>
+                                          <p:attrName>style.visibility</p:attrName>
+                                        </p:attrNameLst>
+                                      </p:cBhvr>
+                                      <p:to>
+                                        <p:strVal val="visible"/>
+                                      </p:to>
+                                    </p:set>
+                                    <p:animEffect transition="in" filter="wipe(down)">
+                                      <p:cBhvr>
+                                        <p:cTn id="7" dur="500"/>
+                                        <p:tgtEl>
+                                          <p:spTgt spid="7"/>
+                                        </p:tgtEl>
+                                      </p:cBhvr>
+                                    </p:animEffect>
+                                  </p:childTnLst>
+                                </p:cTn>
+                              </p:par>
+                            </p:childTnLst>
+                          </p:cTn>
+                        </p:par>
+                      </p:childTnLst>
+                    </p:cTn>
+                  </p:par>
+                </p:childTnLst>
+              </p:cTn>
+              <p:prevCondLst>
+                <p:cond evt="onPrev" delay="0">
+                  <p:tgtEl>
+                    <p:sldTgt/>
+                  </p:tgtEl>
+                </p:cond>
+              </p:prevCondLst>
+              <p:nextCondLst>
+                <p:cond evt="onNext" delay="0">
+                  <p:tgtEl>
+                    <p:sldTgt/>
+                  </p:tgtEl>
+                </p:cond>
+              </p:nextCondLst>
+            </p:seq>
+          </p:childTnLst>
+        </p:cTn>
+      </p:par>
+    </p:tnLst>
+    <p:bldLst>
+      <p:bldP spid="7" grpId="0" animBg="1"/>
+    </p:bldLst>
+  </p:timing>
 </p:sld>
 </file>
 

--- a/20221027/Cordic/Cordic報告.pptx
+++ b/20221027/Cordic/Cordic報告.pptx
@@ -4357,10 +4357,17 @@
                 <a:latin typeface="源石黑體 B" panose="020B0800000000000000" pitchFamily="34" charset="-120"/>
                 <a:ea typeface="源石黑體 B" panose="020B0800000000000000" pitchFamily="34" charset="-120"/>
               </a:rPr>
-              <a:t>最後將數值放大好轉行</a:t>
-            </a:r>
-            <a:r>
-              <a:rPr lang="en-US" altLang="zh-TW" sz="4800" dirty="0">
+              <a:t>最後將數值</a:t>
+            </a:r>
+            <a:r>
+              <a:rPr lang="zh-TW" altLang="en-US" sz="4800">
+                <a:latin typeface="源石黑體 B" panose="020B0800000000000000" pitchFamily="34" charset="-120"/>
+                <a:ea typeface="源石黑體 B" panose="020B0800000000000000" pitchFamily="34" charset="-120"/>
+              </a:rPr>
+              <a:t>放大好轉型</a:t>
+            </a:r>
+            <a:r>
+              <a:rPr lang="en-US" altLang="zh-TW" sz="4800">
                 <a:latin typeface="源石黑體 B" panose="020B0800000000000000" pitchFamily="34" charset="-120"/>
                 <a:ea typeface="源石黑體 B" panose="020B0800000000000000" pitchFamily="34" charset="-120"/>
               </a:rPr>
